--- a/docs/diagrams/ModelComponentClassDiagram.pptx
+++ b/docs/diagrams/ModelComponentClassDiagram.pptx
@@ -208,7 +208,7 @@
           <a:p>
             <a:fld id="{F5CC4B3F-88C1-4FFA-B1B6-F41C21DC6924}" type="datetimeFigureOut">
               <a:rPr lang="en-US" smtClean="0"/>
-              <a:t>12/5/2018</a:t>
+              <a:t>3/17/2019</a:t>
             </a:fld>
             <a:endParaRPr lang="en-US"/>
           </a:p>
@@ -654,7 +654,7 @@
           <a:p>
             <a:fld id="{78C97017-6FC3-485B-9764-EAC9E56C1D49}" type="datetimeFigureOut">
               <a:rPr lang="en-US" smtClean="0"/>
-              <a:t>12/5/2018</a:t>
+              <a:t>3/17/2019</a:t>
             </a:fld>
             <a:endParaRPr lang="en-US"/>
           </a:p>
@@ -822,7 +822,7 @@
           <a:p>
             <a:fld id="{78C97017-6FC3-485B-9764-EAC9E56C1D49}" type="datetimeFigureOut">
               <a:rPr lang="en-US" smtClean="0"/>
-              <a:t>12/5/2018</a:t>
+              <a:t>3/17/2019</a:t>
             </a:fld>
             <a:endParaRPr lang="en-US"/>
           </a:p>
@@ -1000,7 +1000,7 @@
           <a:p>
             <a:fld id="{78C97017-6FC3-485B-9764-EAC9E56C1D49}" type="datetimeFigureOut">
               <a:rPr lang="en-US" smtClean="0"/>
-              <a:t>12/5/2018</a:t>
+              <a:t>3/17/2019</a:t>
             </a:fld>
             <a:endParaRPr lang="en-US"/>
           </a:p>
@@ -1168,7 +1168,7 @@
           <a:p>
             <a:fld id="{78C97017-6FC3-485B-9764-EAC9E56C1D49}" type="datetimeFigureOut">
               <a:rPr lang="en-US" smtClean="0"/>
-              <a:t>12/5/2018</a:t>
+              <a:t>3/17/2019</a:t>
             </a:fld>
             <a:endParaRPr lang="en-US"/>
           </a:p>
@@ -1413,7 +1413,7 @@
           <a:p>
             <a:fld id="{78C97017-6FC3-485B-9764-EAC9E56C1D49}" type="datetimeFigureOut">
               <a:rPr lang="en-US" smtClean="0"/>
-              <a:t>12/5/2018</a:t>
+              <a:t>3/17/2019</a:t>
             </a:fld>
             <a:endParaRPr lang="en-US"/>
           </a:p>
@@ -1698,7 +1698,7 @@
           <a:p>
             <a:fld id="{78C97017-6FC3-485B-9764-EAC9E56C1D49}" type="datetimeFigureOut">
               <a:rPr lang="en-US" smtClean="0"/>
-              <a:t>12/5/2018</a:t>
+              <a:t>3/17/2019</a:t>
             </a:fld>
             <a:endParaRPr lang="en-US"/>
           </a:p>
@@ -2117,7 +2117,7 @@
           <a:p>
             <a:fld id="{78C97017-6FC3-485B-9764-EAC9E56C1D49}" type="datetimeFigureOut">
               <a:rPr lang="en-US" smtClean="0"/>
-              <a:t>12/5/2018</a:t>
+              <a:t>3/17/2019</a:t>
             </a:fld>
             <a:endParaRPr lang="en-US"/>
           </a:p>
@@ -2234,7 +2234,7 @@
           <a:p>
             <a:fld id="{78C97017-6FC3-485B-9764-EAC9E56C1D49}" type="datetimeFigureOut">
               <a:rPr lang="en-US" smtClean="0"/>
-              <a:t>12/5/2018</a:t>
+              <a:t>3/17/2019</a:t>
             </a:fld>
             <a:endParaRPr lang="en-US"/>
           </a:p>
@@ -2329,7 +2329,7 @@
           <a:p>
             <a:fld id="{78C97017-6FC3-485B-9764-EAC9E56C1D49}" type="datetimeFigureOut">
               <a:rPr lang="en-US" smtClean="0"/>
-              <a:t>12/5/2018</a:t>
+              <a:t>3/17/2019</a:t>
             </a:fld>
             <a:endParaRPr lang="en-US"/>
           </a:p>
@@ -2604,7 +2604,7 @@
           <a:p>
             <a:fld id="{78C97017-6FC3-485B-9764-EAC9E56C1D49}" type="datetimeFigureOut">
               <a:rPr lang="en-US" smtClean="0"/>
-              <a:t>12/5/2018</a:t>
+              <a:t>3/17/2019</a:t>
             </a:fld>
             <a:endParaRPr lang="en-US"/>
           </a:p>
@@ -2856,7 +2856,7 @@
           <a:p>
             <a:fld id="{78C97017-6FC3-485B-9764-EAC9E56C1D49}" type="datetimeFigureOut">
               <a:rPr lang="en-US" smtClean="0"/>
-              <a:t>12/5/2018</a:t>
+              <a:t>3/17/2019</a:t>
             </a:fld>
             <a:endParaRPr lang="en-US"/>
           </a:p>
@@ -3067,7 +3067,7 @@
           <a:p>
             <a:fld id="{78C97017-6FC3-485B-9764-EAC9E56C1D49}" type="datetimeFigureOut">
               <a:rPr lang="en-US" smtClean="0"/>
-              <a:t>12/5/2018</a:t>
+              <a:t>3/17/2019</a:t>
             </a:fld>
             <a:endParaRPr lang="en-US"/>
           </a:p>
@@ -3623,20 +3623,17 @@
           <p:cNvPr id="107" name="Elbow Connector 106"/>
           <p:cNvCxnSpPr>
             <a:cxnSpLocks/>
-            <a:stCxn id="9" idx="1"/>
             <a:endCxn id="62" idx="2"/>
           </p:cNvCxnSpPr>
           <p:nvPr/>
         </p:nvCxnSpPr>
         <p:spPr>
-          <a:xfrm rot="5400000" flipH="1" flipV="1">
-            <a:off x="4131507" y="1281685"/>
-            <a:ext cx="613122" cy="4459404"/>
-          </a:xfrm>
-          <a:prstGeom prst="bentConnector3">
-            <a:avLst>
-              <a:gd name="adj1" fmla="val -26668"/>
-            </a:avLst>
+          <a:xfrm flipV="1">
+            <a:off x="2192826" y="3204826"/>
+            <a:ext cx="4484986" cy="921760"/>
+          </a:xfrm>
+          <a:prstGeom prst="bentConnector2">
+            <a:avLst/>
           </a:prstGeom>
           <a:ln w="19050">
             <a:solidFill>
@@ -3997,7 +3994,7 @@
                   <a:srgbClr val="7030A0"/>
                 </a:solidFill>
               </a:rPr>
-              <a:t>VersionedAddressBook</a:t>
+              <a:t>VersionedPocketProject</a:t>
             </a:r>
             <a:endParaRPr lang="en-SG" sz="1050" dirty="0">
               <a:solidFill>
@@ -4139,7 +4136,7 @@
                   <a:srgbClr val="7030A0"/>
                 </a:solidFill>
               </a:rPr>
-              <a:t>UniquePersonList</a:t>
+              <a:t>UniqueEmployeeList</a:t>
             </a:r>
             <a:endParaRPr lang="en-SG" sz="1050" dirty="0">
               <a:solidFill>
@@ -4205,7 +4202,7 @@
         <p:spPr>
           <a:xfrm>
             <a:off x="6313677" y="2858066"/>
-            <a:ext cx="708186" cy="346760"/>
+            <a:ext cx="728270" cy="346760"/>
           </a:xfrm>
           <a:prstGeom prst="rect">
             <a:avLst/>
@@ -4242,7 +4239,7 @@
                   <a:srgbClr val="7030A0"/>
                 </a:solidFill>
               </a:rPr>
-              <a:t>Person</a:t>
+              <a:t>Employee</a:t>
             </a:r>
             <a:endParaRPr lang="en-SG" sz="1050" dirty="0">
               <a:solidFill>
@@ -4301,6 +4298,7 @@
         <p:nvCxnSpPr>
           <p:cNvPr id="64" name="Elbow Connector 63"/>
           <p:cNvCxnSpPr>
+            <a:cxnSpLocks/>
             <a:stCxn id="63" idx="3"/>
             <a:endCxn id="62" idx="1"/>
           </p:cNvCxnSpPr>
@@ -4638,6 +4636,7 @@
         <p:nvCxnSpPr>
           <p:cNvPr id="84" name="Elbow Connector 83"/>
           <p:cNvCxnSpPr>
+            <a:cxnSpLocks/>
             <a:stCxn id="78" idx="3"/>
             <a:endCxn id="83" idx="1"/>
           </p:cNvCxnSpPr>
@@ -4878,8 +4877,8 @@
         </p:nvSpPr>
         <p:spPr>
           <a:xfrm>
-            <a:off x="1260922" y="1998350"/>
-            <a:ext cx="1443661" cy="364396"/>
+            <a:off x="1219200" y="1998350"/>
+            <a:ext cx="1485383" cy="364396"/>
           </a:xfrm>
           <a:prstGeom prst="rect">
             <a:avLst/>
@@ -4931,7 +4930,7 @@
                   <a:srgbClr val="7030A0"/>
                 </a:solidFill>
               </a:rPr>
-              <a:t>ReadOnlyAddressBook</a:t>
+              <a:t>ReadOnlyPocketProject</a:t>
             </a:r>
             <a:endParaRPr lang="en-SG" sz="1050" dirty="0">
               <a:solidFill>
@@ -5340,7 +5339,7 @@
                   <a:srgbClr val="7030A0"/>
                 </a:solidFill>
               </a:rPr>
-              <a:t>Tag</a:t>
+              <a:t>Skill</a:t>
             </a:r>
             <a:endParaRPr lang="en-SG" sz="1050" dirty="0">
               <a:solidFill>
@@ -5491,7 +5490,7 @@
                   <a:srgbClr val="7030A0"/>
                 </a:solidFill>
               </a:rPr>
-              <a:t>AddressBook</a:t>
+              <a:t>PocketProject</a:t>
             </a:r>
             <a:endParaRPr lang="en-SG" sz="1050" dirty="0">
               <a:solidFill>
@@ -5817,6 +5816,46 @@
           </a:effectRef>
           <a:fontRef idx="minor">
             <a:schemeClr val="dk1"/>
+          </a:fontRef>
+        </p:style>
+      </p:cxnSp>
+      <p:cxnSp>
+        <p:nvCxnSpPr>
+          <p:cNvPr id="26" name="Straight Connector 25">
+            <a:extLst>
+              <a:ext uri="{FF2B5EF4-FFF2-40B4-BE49-F238E27FC236}">
+                <a16:creationId xmlns:a16="http://schemas.microsoft.com/office/drawing/2014/main" id="{E8928B61-F2E1-478C-A0B2-5B7523410D30}"/>
+              </a:ext>
+            </a:extLst>
+          </p:cNvPr>
+          <p:cNvCxnSpPr>
+            <a:cxnSpLocks/>
+            <a:stCxn id="9" idx="1"/>
+          </p:cNvCxnSpPr>
+          <p:nvPr/>
+        </p:nvCxnSpPr>
+        <p:spPr>
+          <a:xfrm flipH="1">
+            <a:off x="2208365" y="3817948"/>
+            <a:ext cx="1" cy="308638"/>
+          </a:xfrm>
+          <a:prstGeom prst="line">
+            <a:avLst/>
+          </a:prstGeom>
+          <a:ln w="28575"/>
+        </p:spPr>
+        <p:style>
+          <a:lnRef idx="1">
+            <a:schemeClr val="accent4"/>
+          </a:lnRef>
+          <a:fillRef idx="0">
+            <a:schemeClr val="accent4"/>
+          </a:fillRef>
+          <a:effectRef idx="0">
+            <a:schemeClr val="accent4"/>
+          </a:effectRef>
+          <a:fontRef idx="minor">
+            <a:schemeClr val="tx1"/>
           </a:fontRef>
         </p:style>
       </p:cxnSp>

--- a/docs/diagrams/ModelComponentClassDiagram.pptx
+++ b/docs/diagrams/ModelComponentClassDiagram.pptx
@@ -208,7 +208,7 @@
           <a:p>
             <a:fld id="{F5CC4B3F-88C1-4FFA-B1B6-F41C21DC6924}" type="datetimeFigureOut">
               <a:rPr lang="en-US" smtClean="0"/>
-              <a:t>3/17/2019</a:t>
+              <a:t>3/31/2019</a:t>
             </a:fld>
             <a:endParaRPr lang="en-US"/>
           </a:p>
@@ -654,7 +654,7 @@
           <a:p>
             <a:fld id="{78C97017-6FC3-485B-9764-EAC9E56C1D49}" type="datetimeFigureOut">
               <a:rPr lang="en-US" smtClean="0"/>
-              <a:t>3/17/2019</a:t>
+              <a:t>3/31/2019</a:t>
             </a:fld>
             <a:endParaRPr lang="en-US"/>
           </a:p>
@@ -822,7 +822,7 @@
           <a:p>
             <a:fld id="{78C97017-6FC3-485B-9764-EAC9E56C1D49}" type="datetimeFigureOut">
               <a:rPr lang="en-US" smtClean="0"/>
-              <a:t>3/17/2019</a:t>
+              <a:t>3/31/2019</a:t>
             </a:fld>
             <a:endParaRPr lang="en-US"/>
           </a:p>
@@ -1000,7 +1000,7 @@
           <a:p>
             <a:fld id="{78C97017-6FC3-485B-9764-EAC9E56C1D49}" type="datetimeFigureOut">
               <a:rPr lang="en-US" smtClean="0"/>
-              <a:t>3/17/2019</a:t>
+              <a:t>3/31/2019</a:t>
             </a:fld>
             <a:endParaRPr lang="en-US"/>
           </a:p>
@@ -1168,7 +1168,7 @@
           <a:p>
             <a:fld id="{78C97017-6FC3-485B-9764-EAC9E56C1D49}" type="datetimeFigureOut">
               <a:rPr lang="en-US" smtClean="0"/>
-              <a:t>3/17/2019</a:t>
+              <a:t>3/31/2019</a:t>
             </a:fld>
             <a:endParaRPr lang="en-US"/>
           </a:p>
@@ -1413,7 +1413,7 @@
           <a:p>
             <a:fld id="{78C97017-6FC3-485B-9764-EAC9E56C1D49}" type="datetimeFigureOut">
               <a:rPr lang="en-US" smtClean="0"/>
-              <a:t>3/17/2019</a:t>
+              <a:t>3/31/2019</a:t>
             </a:fld>
             <a:endParaRPr lang="en-US"/>
           </a:p>
@@ -1698,7 +1698,7 @@
           <a:p>
             <a:fld id="{78C97017-6FC3-485B-9764-EAC9E56C1D49}" type="datetimeFigureOut">
               <a:rPr lang="en-US" smtClean="0"/>
-              <a:t>3/17/2019</a:t>
+              <a:t>3/31/2019</a:t>
             </a:fld>
             <a:endParaRPr lang="en-US"/>
           </a:p>
@@ -2117,7 +2117,7 @@
           <a:p>
             <a:fld id="{78C97017-6FC3-485B-9764-EAC9E56C1D49}" type="datetimeFigureOut">
               <a:rPr lang="en-US" smtClean="0"/>
-              <a:t>3/17/2019</a:t>
+              <a:t>3/31/2019</a:t>
             </a:fld>
             <a:endParaRPr lang="en-US"/>
           </a:p>
@@ -2234,7 +2234,7 @@
           <a:p>
             <a:fld id="{78C97017-6FC3-485B-9764-EAC9E56C1D49}" type="datetimeFigureOut">
               <a:rPr lang="en-US" smtClean="0"/>
-              <a:t>3/17/2019</a:t>
+              <a:t>3/31/2019</a:t>
             </a:fld>
             <a:endParaRPr lang="en-US"/>
           </a:p>
@@ -2329,7 +2329,7 @@
           <a:p>
             <a:fld id="{78C97017-6FC3-485B-9764-EAC9E56C1D49}" type="datetimeFigureOut">
               <a:rPr lang="en-US" smtClean="0"/>
-              <a:t>3/17/2019</a:t>
+              <a:t>3/31/2019</a:t>
             </a:fld>
             <a:endParaRPr lang="en-US"/>
           </a:p>
@@ -2604,7 +2604,7 @@
           <a:p>
             <a:fld id="{78C97017-6FC3-485B-9764-EAC9E56C1D49}" type="datetimeFigureOut">
               <a:rPr lang="en-US" smtClean="0"/>
-              <a:t>3/17/2019</a:t>
+              <a:t>3/31/2019</a:t>
             </a:fld>
             <a:endParaRPr lang="en-US"/>
           </a:p>
@@ -2856,7 +2856,7 @@
           <a:p>
             <a:fld id="{78C97017-6FC3-485B-9764-EAC9E56C1D49}" type="datetimeFigureOut">
               <a:rPr lang="en-US" smtClean="0"/>
-              <a:t>3/17/2019</a:t>
+              <a:t>3/31/2019</a:t>
             </a:fld>
             <a:endParaRPr lang="en-US"/>
           </a:p>
@@ -3067,7 +3067,7 @@
           <a:p>
             <a:fld id="{78C97017-6FC3-485B-9764-EAC9E56C1D49}" type="datetimeFigureOut">
               <a:rPr lang="en-US" smtClean="0"/>
-              <a:t>3/17/2019</a:t>
+              <a:t>3/31/2019</a:t>
             </a:fld>
             <a:endParaRPr lang="en-US"/>
           </a:p>
@@ -3450,8 +3450,8 @@
         </p:nvSpPr>
         <p:spPr>
           <a:xfrm>
-            <a:off x="1119865" y="1600200"/>
-            <a:ext cx="7490735" cy="3124200"/>
+            <a:off x="874650" y="1457023"/>
+            <a:ext cx="7700509" cy="5182462"/>
           </a:xfrm>
           <a:prstGeom prst="roundRect">
             <a:avLst>
@@ -3511,7 +3511,7 @@
         </p:nvSpPr>
         <p:spPr>
           <a:xfrm>
-            <a:off x="2825280" y="3463240"/>
+            <a:off x="2825280" y="5368240"/>
             <a:ext cx="878211" cy="346760"/>
           </a:xfrm>
           <a:prstGeom prst="rect">
@@ -3567,7 +3567,7 @@
         </p:nvSpPr>
         <p:spPr>
           <a:xfrm rot="16200000">
-            <a:off x="1661548" y="3097750"/>
+            <a:off x="1661548" y="5002750"/>
             <a:ext cx="1093635" cy="346760"/>
           </a:xfrm>
           <a:prstGeom prst="rect">
@@ -3629,7 +3629,7 @@
         </p:nvCxnSpPr>
         <p:spPr>
           <a:xfrm flipV="1">
-            <a:off x="2192826" y="3204826"/>
+            <a:off x="2192826" y="5109826"/>
             <a:ext cx="4484986" cy="921760"/>
           </a:xfrm>
           <a:prstGeom prst="bentConnector2">
@@ -3668,7 +3668,7 @@
         </p:nvSpPr>
         <p:spPr>
           <a:xfrm rot="16200000">
-            <a:off x="956202" y="2861202"/>
+            <a:off x="956202" y="4766202"/>
             <a:ext cx="1093635" cy="346760"/>
           </a:xfrm>
           <a:prstGeom prst="rect">
@@ -3738,7 +3738,7 @@
         </p:nvSpPr>
         <p:spPr>
           <a:xfrm rot="16200000">
-            <a:off x="1626910" y="2952291"/>
+            <a:off x="1626910" y="4857291"/>
             <a:ext cx="270504" cy="175523"/>
           </a:xfrm>
           <a:prstGeom prst="triangle">
@@ -3789,7 +3789,7 @@
         </p:nvCxnSpPr>
         <p:spPr>
           <a:xfrm>
-            <a:off x="2609828" y="3636620"/>
+            <a:off x="2609828" y="5541620"/>
             <a:ext cx="215452" cy="0"/>
           </a:xfrm>
           <a:prstGeom prst="straightConnector1">
@@ -3827,7 +3827,7 @@
         </p:nvCxnSpPr>
         <p:spPr>
           <a:xfrm>
-            <a:off x="910091" y="3040053"/>
+            <a:off x="910091" y="4945053"/>
             <a:ext cx="419548" cy="2860"/>
           </a:xfrm>
           <a:prstGeom prst="bentConnector3">
@@ -3872,7 +3872,7 @@
         </p:nvCxnSpPr>
         <p:spPr>
           <a:xfrm flipV="1">
-            <a:off x="1849924" y="3040052"/>
+            <a:off x="1849924" y="4945052"/>
             <a:ext cx="216105" cy="1"/>
           </a:xfrm>
           <a:prstGeom prst="line">
@@ -3911,7 +3911,7 @@
         </p:nvSpPr>
         <p:spPr>
           <a:xfrm>
-            <a:off x="2373780" y="3549930"/>
+            <a:off x="2373780" y="5454930"/>
             <a:ext cx="236048" cy="173380"/>
           </a:xfrm>
           <a:prstGeom prst="flowChartDecision">
@@ -3956,7 +3956,7 @@
         </p:nvSpPr>
         <p:spPr>
           <a:xfrm>
-            <a:off x="2825280" y="2846162"/>
+            <a:off x="2825280" y="4751162"/>
             <a:ext cx="1490560" cy="334856"/>
           </a:xfrm>
           <a:prstGeom prst="rect">
@@ -4015,7 +4015,7 @@
         </p:nvCxnSpPr>
         <p:spPr>
           <a:xfrm>
-            <a:off x="2624360" y="3003033"/>
+            <a:off x="2624360" y="4908033"/>
             <a:ext cx="200920" cy="10557"/>
           </a:xfrm>
           <a:prstGeom prst="straightConnector1">
@@ -4053,7 +4053,7 @@
         </p:nvSpPr>
         <p:spPr>
           <a:xfrm>
-            <a:off x="2388312" y="2916343"/>
+            <a:off x="2388312" y="4821343"/>
             <a:ext cx="236048" cy="173380"/>
           </a:xfrm>
           <a:prstGeom prst="flowChartDecision">
@@ -4098,7 +4098,7 @@
         </p:nvSpPr>
         <p:spPr>
           <a:xfrm>
-            <a:off x="4692650" y="2846162"/>
+            <a:off x="4692650" y="4751162"/>
             <a:ext cx="1156969" cy="346760"/>
           </a:xfrm>
           <a:prstGeom prst="rect">
@@ -4154,7 +4154,7 @@
         </p:nvSpPr>
         <p:spPr>
           <a:xfrm>
-            <a:off x="4324972" y="2920532"/>
+            <a:off x="4324972" y="4825532"/>
             <a:ext cx="236048" cy="173380"/>
           </a:xfrm>
           <a:prstGeom prst="flowChartDecision">
@@ -4201,7 +4201,7 @@
         </p:nvSpPr>
         <p:spPr>
           <a:xfrm>
-            <a:off x="6313677" y="2858066"/>
+            <a:off x="6313677" y="4763066"/>
             <a:ext cx="728270" cy="346760"/>
           </a:xfrm>
           <a:prstGeom prst="rect">
@@ -4257,7 +4257,7 @@
         </p:nvSpPr>
         <p:spPr>
           <a:xfrm>
-            <a:off x="5858751" y="2941676"/>
+            <a:off x="5858751" y="4846676"/>
             <a:ext cx="236048" cy="173380"/>
           </a:xfrm>
           <a:prstGeom prst="flowChartDecision">
@@ -4306,7 +4306,7 @@
         </p:nvCxnSpPr>
         <p:spPr>
           <a:xfrm>
-            <a:off x="6094799" y="3028366"/>
+            <a:off x="6094799" y="4933366"/>
             <a:ext cx="218878" cy="3080"/>
           </a:xfrm>
           <a:prstGeom prst="bentConnector3">
@@ -4344,7 +4344,7 @@
         </p:nvSpPr>
         <p:spPr>
           <a:xfrm>
-            <a:off x="7712397" y="2564238"/>
+            <a:off x="7712397" y="4469238"/>
             <a:ext cx="708186" cy="285783"/>
           </a:xfrm>
           <a:prstGeom prst="rect">
@@ -4400,7 +4400,7 @@
         </p:nvSpPr>
         <p:spPr>
           <a:xfrm>
-            <a:off x="7041947" y="2948201"/>
+            <a:off x="7041947" y="4853201"/>
             <a:ext cx="236048" cy="173380"/>
           </a:xfrm>
           <a:prstGeom prst="flowChartDecision">
@@ -4449,7 +4449,7 @@
         </p:nvCxnSpPr>
         <p:spPr>
           <a:xfrm flipV="1">
-            <a:off x="7277995" y="2706821"/>
+            <a:off x="7277995" y="4611821"/>
             <a:ext cx="434402" cy="327761"/>
           </a:xfrm>
           <a:prstGeom prst="bentConnector3">
@@ -4487,7 +4487,7 @@
         </p:nvSpPr>
         <p:spPr>
           <a:xfrm>
-            <a:off x="7712397" y="2887216"/>
+            <a:off x="7712397" y="4792216"/>
             <a:ext cx="708186" cy="285783"/>
           </a:xfrm>
           <a:prstGeom prst="rect">
@@ -4546,7 +4546,7 @@
         </p:nvCxnSpPr>
         <p:spPr>
           <a:xfrm flipV="1">
-            <a:off x="7277995" y="3030108"/>
+            <a:off x="7277995" y="4935108"/>
             <a:ext cx="434402" cy="4783"/>
           </a:xfrm>
           <a:prstGeom prst="bentConnector3">
@@ -4584,7 +4584,7 @@
         </p:nvSpPr>
         <p:spPr>
           <a:xfrm>
-            <a:off x="7712397" y="3210194"/>
+            <a:off x="7712397" y="5115194"/>
             <a:ext cx="708186" cy="285783"/>
           </a:xfrm>
           <a:prstGeom prst="rect">
@@ -4644,7 +4644,7 @@
         </p:nvCxnSpPr>
         <p:spPr>
           <a:xfrm>
-            <a:off x="7277995" y="3034891"/>
+            <a:off x="7277995" y="4939891"/>
             <a:ext cx="434402" cy="318195"/>
           </a:xfrm>
           <a:prstGeom prst="bentConnector3">
@@ -4682,7 +4682,7 @@
         </p:nvSpPr>
         <p:spPr>
           <a:xfrm>
-            <a:off x="7712397" y="3533171"/>
+            <a:off x="7712397" y="5438171"/>
             <a:ext cx="708186" cy="285783"/>
           </a:xfrm>
           <a:prstGeom prst="rect">
@@ -4720,7 +4720,7 @@
                   <a:srgbClr val="7030A0"/>
                 </a:solidFill>
               </a:rPr>
-              <a:t>Address</a:t>
+              <a:t>GitHub</a:t>
             </a:r>
             <a:endParaRPr lang="en-SG" sz="1050" dirty="0">
               <a:solidFill>
@@ -4741,7 +4741,7 @@
         </p:nvCxnSpPr>
         <p:spPr>
           <a:xfrm>
-            <a:off x="7277995" y="3034891"/>
+            <a:off x="7277995" y="4939891"/>
             <a:ext cx="434402" cy="641172"/>
           </a:xfrm>
           <a:prstGeom prst="bentConnector3">
@@ -4782,7 +4782,7 @@
         </p:nvCxnSpPr>
         <p:spPr>
           <a:xfrm rot="16200000" flipH="1">
-            <a:off x="3566454" y="2680653"/>
+            <a:off x="3566454" y="4585653"/>
             <a:ext cx="274076" cy="1"/>
           </a:xfrm>
           <a:prstGeom prst="bentConnector3">
@@ -4823,7 +4823,7 @@
         </p:nvSpPr>
         <p:spPr>
           <a:xfrm rot="10800000" flipV="1">
-            <a:off x="3562299" y="2386554"/>
+            <a:off x="3562299" y="4291554"/>
             <a:ext cx="282387" cy="157062"/>
           </a:xfrm>
           <a:prstGeom prst="triangle">
@@ -4877,7 +4877,7 @@
         </p:nvSpPr>
         <p:spPr>
           <a:xfrm>
-            <a:off x="1219200" y="1998350"/>
+            <a:off x="2974928" y="3129856"/>
             <a:ext cx="1485383" cy="364396"/>
           </a:xfrm>
           <a:prstGeom prst="rect">
@@ -4948,7 +4948,7 @@
         </p:nvSpPr>
         <p:spPr>
           <a:xfrm rot="16200000">
-            <a:off x="6362886" y="3586305"/>
+            <a:off x="6362886" y="5491305"/>
             <a:ext cx="881018" cy="261610"/>
           </a:xfrm>
           <a:prstGeom prst="rect">
@@ -4987,7 +4987,7 @@
         </p:nvSpPr>
         <p:spPr>
           <a:xfrm>
-            <a:off x="2057401" y="4239491"/>
+            <a:off x="2057401" y="6144491"/>
             <a:ext cx="1066800" cy="346760"/>
           </a:xfrm>
           <a:prstGeom prst="rect">
@@ -5061,7 +5061,7 @@
         </p:nvCxnSpPr>
         <p:spPr>
           <a:xfrm rot="16200000" flipH="1">
-            <a:off x="1364475" y="3719944"/>
+            <a:off x="1364475" y="5624944"/>
             <a:ext cx="831471" cy="554381"/>
           </a:xfrm>
           <a:prstGeom prst="bentConnector2">
@@ -5100,7 +5100,7 @@
         </p:nvSpPr>
         <p:spPr>
           <a:xfrm>
-            <a:off x="4429979" y="3111479"/>
+            <a:off x="4429979" y="5016479"/>
             <a:ext cx="189257" cy="178683"/>
           </a:xfrm>
           <a:prstGeom prst="rect">
@@ -5139,7 +5139,7 @@
         </p:nvSpPr>
         <p:spPr>
           <a:xfrm>
-            <a:off x="6135256" y="3097917"/>
+            <a:off x="6135256" y="5002917"/>
             <a:ext cx="189257" cy="178683"/>
           </a:xfrm>
           <a:prstGeom prst="rect">
@@ -5178,7 +5178,7 @@
         </p:nvSpPr>
         <p:spPr>
           <a:xfrm>
-            <a:off x="2573394" y="2756715"/>
+            <a:off x="2573394" y="4661715"/>
             <a:ext cx="170110" cy="137542"/>
           </a:xfrm>
           <a:prstGeom prst="rect">
@@ -5217,7 +5217,7 @@
         </p:nvSpPr>
         <p:spPr>
           <a:xfrm>
-            <a:off x="2630191" y="3667737"/>
+            <a:off x="2630191" y="5572737"/>
             <a:ext cx="189257" cy="178683"/>
           </a:xfrm>
           <a:prstGeom prst="rect">
@@ -5256,7 +5256,7 @@
         </p:nvSpPr>
         <p:spPr>
           <a:xfrm>
-            <a:off x="6449896" y="3204826"/>
+            <a:off x="6449896" y="5109826"/>
             <a:ext cx="189257" cy="178683"/>
           </a:xfrm>
           <a:prstGeom prst="rect">
@@ -5301,7 +5301,7 @@
         </p:nvSpPr>
         <p:spPr>
           <a:xfrm>
-            <a:off x="7712397" y="2228817"/>
+            <a:off x="7712397" y="4133817"/>
             <a:ext cx="708186" cy="285783"/>
           </a:xfrm>
           <a:prstGeom prst="rect">
@@ -5367,7 +5367,7 @@
         </p:nvCxnSpPr>
         <p:spPr>
           <a:xfrm flipV="1">
-            <a:off x="7277995" y="2371709"/>
+            <a:off x="7277995" y="4276709"/>
             <a:ext cx="434402" cy="663182"/>
           </a:xfrm>
           <a:prstGeom prst="bentConnector3">
@@ -5413,7 +5413,7 @@
         </p:nvSpPr>
         <p:spPr>
           <a:xfrm>
-            <a:off x="7466243" y="2255711"/>
+            <a:off x="7466243" y="4160711"/>
             <a:ext cx="189257" cy="178683"/>
           </a:xfrm>
           <a:prstGeom prst="rect">
@@ -5452,7 +5452,7 @@
         </p:nvSpPr>
         <p:spPr>
           <a:xfrm>
-            <a:off x="3170181" y="1998350"/>
+            <a:off x="3170181" y="3903350"/>
             <a:ext cx="1060683" cy="364396"/>
           </a:xfrm>
           <a:prstGeom prst="rect">
@@ -5511,7 +5511,7 @@
         </p:nvCxnSpPr>
         <p:spPr>
           <a:xfrm>
-            <a:off x="4324972" y="3007222"/>
+            <a:off x="4324972" y="4912222"/>
             <a:ext cx="367678" cy="12320"/>
           </a:xfrm>
           <a:prstGeom prst="straightConnector1">
@@ -5523,102 +5523,6 @@
             </a:solidFill>
             <a:headEnd type="none" w="med" len="med"/>
             <a:tailEnd type="arrow" w="med" len="med"/>
-          </a:ln>
-          <a:effectLst/>
-        </p:spPr>
-        <p:style>
-          <a:lnRef idx="1">
-            <a:schemeClr val="accent2"/>
-          </a:lnRef>
-          <a:fillRef idx="2">
-            <a:schemeClr val="accent2"/>
-          </a:fillRef>
-          <a:effectRef idx="1">
-            <a:schemeClr val="accent2"/>
-          </a:effectRef>
-          <a:fontRef idx="minor">
-            <a:schemeClr val="dk1"/>
-          </a:fontRef>
-        </p:style>
-      </p:cxnSp>
-      <p:sp>
-        <p:nvSpPr>
-          <p:cNvPr id="68" name="Isosceles Triangle 102"/>
-          <p:cNvSpPr/>
-          <p:nvPr/>
-        </p:nvSpPr>
-        <p:spPr>
-          <a:xfrm rot="16200000">
-            <a:off x="2669073" y="2069158"/>
-            <a:ext cx="271014" cy="187417"/>
-          </a:xfrm>
-          <a:prstGeom prst="triangle">
-            <a:avLst>
-              <a:gd name="adj" fmla="val 44517"/>
-            </a:avLst>
-          </a:prstGeom>
-          <a:solidFill>
-            <a:schemeClr val="accent4">
-              <a:lumMod val="20000"/>
-              <a:lumOff val="80000"/>
-            </a:schemeClr>
-          </a:solidFill>
-          <a:ln w="19050">
-            <a:solidFill>
-              <a:srgbClr val="7030A0"/>
-            </a:solidFill>
-          </a:ln>
-          <a:effectLst/>
-        </p:spPr>
-        <p:style>
-          <a:lnRef idx="1">
-            <a:schemeClr val="accent6"/>
-          </a:lnRef>
-          <a:fillRef idx="2">
-            <a:schemeClr val="accent6"/>
-          </a:fillRef>
-          <a:effectRef idx="1">
-            <a:schemeClr val="accent6"/>
-          </a:effectRef>
-          <a:fontRef idx="minor">
-            <a:schemeClr val="dk1"/>
-          </a:fontRef>
-        </p:style>
-        <p:txBody>
-          <a:bodyPr rtlCol="0" anchor="ctr"/>
-          <a:lstStyle/>
-          <a:p>
-            <a:pPr algn="ctr"/>
-            <a:endParaRPr lang="en-SG" sz="1050"/>
-          </a:p>
-        </p:txBody>
-      </p:sp>
-      <p:cxnSp>
-        <p:nvCxnSpPr>
-          <p:cNvPr id="69" name="Elbow Connector 63"/>
-          <p:cNvCxnSpPr>
-            <a:stCxn id="68" idx="3"/>
-            <a:endCxn id="55" idx="1"/>
-          </p:cNvCxnSpPr>
-          <p:nvPr/>
-        </p:nvCxnSpPr>
-        <p:spPr>
-          <a:xfrm>
-            <a:off x="2898289" y="2177727"/>
-            <a:ext cx="271892" cy="2821"/>
-          </a:xfrm>
-          <a:prstGeom prst="bentConnector3">
-            <a:avLst>
-              <a:gd name="adj1" fmla="val 50000"/>
-            </a:avLst>
-          </a:prstGeom>
-          <a:ln w="19050">
-            <a:solidFill>
-              <a:srgbClr val="7030A0"/>
-            </a:solidFill>
-            <a:prstDash val="sysDot"/>
-            <a:headEnd type="none" w="med" len="med"/>
-            <a:tailEnd type="none" w="med" len="med"/>
           </a:ln>
           <a:effectLst/>
         </p:spPr>
@@ -5651,7 +5555,7 @@
         </p:nvSpPr>
         <p:spPr>
           <a:xfrm>
-            <a:off x="4238892" y="3460864"/>
+            <a:off x="4238892" y="5365864"/>
             <a:ext cx="1293486" cy="346760"/>
           </a:xfrm>
           <a:prstGeom prst="rect">
@@ -5724,7 +5628,7 @@
         </p:nvSpPr>
         <p:spPr>
           <a:xfrm rot="5400000" flipH="1">
-            <a:off x="3992636" y="3514414"/>
+            <a:off x="3992636" y="5419414"/>
             <a:ext cx="271014" cy="221497"/>
           </a:xfrm>
           <a:prstGeom prst="triangle">
@@ -5786,7 +5690,7 @@
         </p:nvCxnSpPr>
         <p:spPr>
           <a:xfrm rot="10800000">
-            <a:off x="3703491" y="3636621"/>
+            <a:off x="3703491" y="5541621"/>
             <a:ext cx="313904" cy="3403"/>
           </a:xfrm>
           <a:prstGeom prst="bentConnector3">
@@ -5836,7 +5740,7 @@
         </p:nvCxnSpPr>
         <p:spPr>
           <a:xfrm flipH="1">
-            <a:off x="2208365" y="3817948"/>
+            <a:off x="2208365" y="5722948"/>
             <a:ext cx="1" cy="308638"/>
           </a:xfrm>
           <a:prstGeom prst="line">
@@ -5859,6 +5763,1590 @@
           </a:fontRef>
         </p:style>
       </p:cxnSp>
+      <p:cxnSp>
+        <p:nvCxnSpPr>
+          <p:cNvPr id="6" name="Connector: Elbow 5">
+            <a:extLst>
+              <a:ext uri="{FF2B5EF4-FFF2-40B4-BE49-F238E27FC236}">
+                <a16:creationId xmlns:a16="http://schemas.microsoft.com/office/drawing/2014/main" id="{DDC39FB9-FE8C-44A4-A503-5D8E006AA773}"/>
+              </a:ext>
+            </a:extLst>
+          </p:cNvPr>
+          <p:cNvCxnSpPr>
+            <a:cxnSpLocks/>
+          </p:cNvCxnSpPr>
+          <p:nvPr/>
+        </p:nvCxnSpPr>
+        <p:spPr>
+          <a:xfrm flipV="1">
+            <a:off x="4441445" y="4385738"/>
+            <a:ext cx="566920" cy="556740"/>
+          </a:xfrm>
+          <a:prstGeom prst="bentConnector3">
+            <a:avLst>
+              <a:gd name="adj1" fmla="val 844"/>
+            </a:avLst>
+          </a:prstGeom>
+          <a:ln w="19050" cap="flat" cmpd="sng" algn="ctr">
+            <a:solidFill>
+              <a:srgbClr val="7030A0"/>
+            </a:solidFill>
+            <a:prstDash val="solid"/>
+            <a:round/>
+            <a:headEnd type="none" w="med" len="med"/>
+            <a:tailEnd type="arrow" w="med" len="med"/>
+          </a:ln>
+        </p:spPr>
+        <p:style>
+          <a:lnRef idx="0">
+            <a:scrgbClr r="0" g="0" b="0"/>
+          </a:lnRef>
+          <a:fillRef idx="0">
+            <a:scrgbClr r="0" g="0" b="0"/>
+          </a:fillRef>
+          <a:effectRef idx="0">
+            <a:scrgbClr r="0" g="0" b="0"/>
+          </a:effectRef>
+          <a:fontRef idx="minor">
+            <a:schemeClr val="tx1"/>
+          </a:fontRef>
+        </p:style>
+      </p:cxnSp>
+      <p:sp>
+        <p:nvSpPr>
+          <p:cNvPr id="71" name="Rectangle 8">
+            <a:extLst>
+              <a:ext uri="{FF2B5EF4-FFF2-40B4-BE49-F238E27FC236}">
+                <a16:creationId xmlns:a16="http://schemas.microsoft.com/office/drawing/2014/main" id="{BA6D958D-C7E7-4C84-BB96-1D9BED71FE35}"/>
+              </a:ext>
+            </a:extLst>
+          </p:cNvPr>
+          <p:cNvSpPr/>
+          <p:nvPr/>
+        </p:nvSpPr>
+        <p:spPr>
+          <a:xfrm>
+            <a:off x="5009425" y="4164145"/>
+            <a:ext cx="1156969" cy="346760"/>
+          </a:xfrm>
+          <a:prstGeom prst="rect">
+            <a:avLst/>
+          </a:prstGeom>
+          <a:ln w="19050">
+            <a:solidFill>
+              <a:srgbClr val="7030A0"/>
+            </a:solidFill>
+          </a:ln>
+          <a:effectLst/>
+        </p:spPr>
+        <p:style>
+          <a:lnRef idx="1">
+            <a:schemeClr val="accent4"/>
+          </a:lnRef>
+          <a:fillRef idx="2">
+            <a:schemeClr val="accent4"/>
+          </a:fillRef>
+          <a:effectRef idx="1">
+            <a:schemeClr val="accent4"/>
+          </a:effectRef>
+          <a:fontRef idx="minor">
+            <a:schemeClr val="dk1"/>
+          </a:fontRef>
+        </p:style>
+        <p:txBody>
+          <a:bodyPr rtlCol="0" anchor="ctr"/>
+          <a:lstStyle/>
+          <a:p>
+            <a:pPr algn="ctr"/>
+            <a:r>
+              <a:rPr lang="en-US" sz="1050" dirty="0" err="1">
+                <a:solidFill>
+                  <a:srgbClr val="7030A0"/>
+                </a:solidFill>
+              </a:rPr>
+              <a:t>UniqueProjectList</a:t>
+            </a:r>
+            <a:endParaRPr lang="en-SG" sz="1050" dirty="0">
+              <a:solidFill>
+                <a:srgbClr val="7030A0"/>
+              </a:solidFill>
+            </a:endParaRPr>
+          </a:p>
+        </p:txBody>
+      </p:sp>
+      <p:sp>
+        <p:nvSpPr>
+          <p:cNvPr id="72" name="TextBox 71">
+            <a:extLst>
+              <a:ext uri="{FF2B5EF4-FFF2-40B4-BE49-F238E27FC236}">
+                <a16:creationId xmlns:a16="http://schemas.microsoft.com/office/drawing/2014/main" id="{83B8863F-E7B6-40BD-8664-25058BDEDB04}"/>
+              </a:ext>
+            </a:extLst>
+          </p:cNvPr>
+          <p:cNvSpPr txBox="1"/>
+          <p:nvPr/>
+        </p:nvSpPr>
+        <p:spPr>
+          <a:xfrm>
+            <a:off x="4502779" y="4202212"/>
+            <a:ext cx="189257" cy="178683"/>
+          </a:xfrm>
+          <a:prstGeom prst="rect">
+            <a:avLst/>
+          </a:prstGeom>
+          <a:noFill/>
+        </p:spPr>
+        <p:txBody>
+          <a:bodyPr wrap="square" lIns="0" tIns="0" rIns="0" bIns="0" rtlCol="0">
+            <a:noAutofit/>
+          </a:bodyPr>
+          <a:lstStyle/>
+          <a:p>
+            <a:pPr algn="ctr"/>
+            <a:r>
+              <a:rPr lang="en-US" sz="1100" dirty="0">
+                <a:solidFill>
+                  <a:srgbClr val="7030A0"/>
+                </a:solidFill>
+              </a:rPr>
+              <a:t>1</a:t>
+            </a:r>
+            <a:endParaRPr lang="en-SG" sz="1100" dirty="0">
+              <a:solidFill>
+                <a:srgbClr val="7030A0"/>
+              </a:solidFill>
+            </a:endParaRPr>
+          </a:p>
+        </p:txBody>
+      </p:sp>
+      <p:cxnSp>
+        <p:nvCxnSpPr>
+          <p:cNvPr id="74" name="Elbow Connector 63">
+            <a:extLst>
+              <a:ext uri="{FF2B5EF4-FFF2-40B4-BE49-F238E27FC236}">
+                <a16:creationId xmlns:a16="http://schemas.microsoft.com/office/drawing/2014/main" id="{1333911E-6370-4902-B323-FF5F2C31BDC2}"/>
+              </a:ext>
+            </a:extLst>
+          </p:cNvPr>
+          <p:cNvCxnSpPr>
+            <a:cxnSpLocks/>
+            <a:stCxn id="77" idx="3"/>
+          </p:cNvCxnSpPr>
+          <p:nvPr/>
+        </p:nvCxnSpPr>
+        <p:spPr>
+          <a:xfrm rot="16200000" flipH="1">
+            <a:off x="3566451" y="3783911"/>
+            <a:ext cx="274076" cy="1"/>
+          </a:xfrm>
+          <a:prstGeom prst="bentConnector3">
+            <a:avLst>
+              <a:gd name="adj1" fmla="val 50000"/>
+            </a:avLst>
+          </a:prstGeom>
+          <a:ln w="19050">
+            <a:solidFill>
+              <a:srgbClr val="7030A0"/>
+            </a:solidFill>
+            <a:prstDash val="sysDot"/>
+            <a:headEnd type="none" w="med" len="med"/>
+            <a:tailEnd type="none" w="med" len="med"/>
+          </a:ln>
+          <a:effectLst/>
+        </p:spPr>
+        <p:style>
+          <a:lnRef idx="1">
+            <a:schemeClr val="accent2"/>
+          </a:lnRef>
+          <a:fillRef idx="2">
+            <a:schemeClr val="accent2"/>
+          </a:fillRef>
+          <a:effectRef idx="1">
+            <a:schemeClr val="accent2"/>
+          </a:effectRef>
+          <a:fontRef idx="minor">
+            <a:schemeClr val="dk1"/>
+          </a:fontRef>
+        </p:style>
+      </p:cxnSp>
+      <p:sp>
+        <p:nvSpPr>
+          <p:cNvPr id="77" name="Isosceles Triangle 102">
+            <a:extLst>
+              <a:ext uri="{FF2B5EF4-FFF2-40B4-BE49-F238E27FC236}">
+                <a16:creationId xmlns:a16="http://schemas.microsoft.com/office/drawing/2014/main" id="{994DE772-A223-449C-A924-FDBC78FB314B}"/>
+              </a:ext>
+            </a:extLst>
+          </p:cNvPr>
+          <p:cNvSpPr/>
+          <p:nvPr/>
+        </p:nvSpPr>
+        <p:spPr>
+          <a:xfrm rot="10800000" flipV="1">
+            <a:off x="3562296" y="3489812"/>
+            <a:ext cx="282387" cy="157062"/>
+          </a:xfrm>
+          <a:prstGeom prst="triangle">
+            <a:avLst/>
+          </a:prstGeom>
+          <a:solidFill>
+            <a:schemeClr val="accent4">
+              <a:lumMod val="20000"/>
+              <a:lumOff val="80000"/>
+            </a:schemeClr>
+          </a:solidFill>
+          <a:ln w="19050">
+            <a:solidFill>
+              <a:srgbClr val="7030A0"/>
+            </a:solidFill>
+          </a:ln>
+          <a:effectLst/>
+        </p:spPr>
+        <p:style>
+          <a:lnRef idx="1">
+            <a:schemeClr val="accent4"/>
+          </a:lnRef>
+          <a:fillRef idx="2">
+            <a:schemeClr val="accent4"/>
+          </a:fillRef>
+          <a:effectRef idx="1">
+            <a:schemeClr val="accent4"/>
+          </a:effectRef>
+          <a:fontRef idx="minor">
+            <a:schemeClr val="dk1"/>
+          </a:fontRef>
+        </p:style>
+        <p:txBody>
+          <a:bodyPr rtlCol="0" anchor="ctr"/>
+          <a:lstStyle/>
+          <a:p>
+            <a:pPr algn="ctr"/>
+            <a:endParaRPr lang="en-SG" sz="1050" b="1">
+              <a:solidFill>
+                <a:srgbClr val="92D050"/>
+              </a:solidFill>
+            </a:endParaRPr>
+          </a:p>
+        </p:txBody>
+      </p:sp>
+      <p:sp>
+        <p:nvSpPr>
+          <p:cNvPr id="93" name="Flowchart: Decision 96">
+            <a:extLst>
+              <a:ext uri="{FF2B5EF4-FFF2-40B4-BE49-F238E27FC236}">
+                <a16:creationId xmlns:a16="http://schemas.microsoft.com/office/drawing/2014/main" id="{3514CF83-69C4-48DF-A5B6-7FF48A07FA06}"/>
+              </a:ext>
+            </a:extLst>
+          </p:cNvPr>
+          <p:cNvSpPr/>
+          <p:nvPr/>
+        </p:nvSpPr>
+        <p:spPr>
+          <a:xfrm rot="16387541">
+            <a:off x="5461373" y="3922086"/>
+            <a:ext cx="236048" cy="173380"/>
+          </a:xfrm>
+          <a:prstGeom prst="flowChartDecision">
+            <a:avLst/>
+          </a:prstGeom>
+          <a:noFill/>
+          <a:ln w="19050">
+            <a:solidFill>
+              <a:srgbClr val="7030A0"/>
+            </a:solidFill>
+          </a:ln>
+          <a:effectLst/>
+        </p:spPr>
+        <p:style>
+          <a:lnRef idx="1">
+            <a:schemeClr val="accent6"/>
+          </a:lnRef>
+          <a:fillRef idx="2">
+            <a:schemeClr val="accent6"/>
+          </a:fillRef>
+          <a:effectRef idx="1">
+            <a:schemeClr val="accent6"/>
+          </a:effectRef>
+          <a:fontRef idx="minor">
+            <a:schemeClr val="dk1"/>
+          </a:fontRef>
+        </p:style>
+        <p:txBody>
+          <a:bodyPr rtlCol="0" anchor="ctr"/>
+          <a:lstStyle/>
+          <a:p>
+            <a:pPr algn="ctr"/>
+            <a:endParaRPr lang="en-US" sz="1050"/>
+          </a:p>
+        </p:txBody>
+      </p:sp>
+      <p:cxnSp>
+        <p:nvCxnSpPr>
+          <p:cNvPr id="94" name="Elbow Connector 63">
+            <a:extLst>
+              <a:ext uri="{FF2B5EF4-FFF2-40B4-BE49-F238E27FC236}">
+                <a16:creationId xmlns:a16="http://schemas.microsoft.com/office/drawing/2014/main" id="{926A12FB-9F8F-499C-94B7-B6399B034537}"/>
+              </a:ext>
+            </a:extLst>
+          </p:cNvPr>
+          <p:cNvCxnSpPr>
+            <a:cxnSpLocks/>
+            <a:stCxn id="93" idx="3"/>
+          </p:cNvCxnSpPr>
+          <p:nvPr/>
+        </p:nvCxnSpPr>
+        <p:spPr>
+          <a:xfrm rot="5400000" flipH="1" flipV="1">
+            <a:off x="5494212" y="3797230"/>
+            <a:ext cx="185319" cy="2079"/>
+          </a:xfrm>
+          <a:prstGeom prst="bentConnector3">
+            <a:avLst>
+              <a:gd name="adj1" fmla="val 50000"/>
+            </a:avLst>
+          </a:prstGeom>
+          <a:ln w="19050">
+            <a:solidFill>
+              <a:srgbClr val="7030A0"/>
+            </a:solidFill>
+            <a:headEnd type="none" w="med" len="med"/>
+            <a:tailEnd type="arrow" w="med" len="med"/>
+          </a:ln>
+          <a:effectLst/>
+        </p:spPr>
+        <p:style>
+          <a:lnRef idx="1">
+            <a:schemeClr val="accent2"/>
+          </a:lnRef>
+          <a:fillRef idx="2">
+            <a:schemeClr val="accent2"/>
+          </a:fillRef>
+          <a:effectRef idx="1">
+            <a:schemeClr val="accent2"/>
+          </a:effectRef>
+          <a:fontRef idx="minor">
+            <a:schemeClr val="dk1"/>
+          </a:fontRef>
+        </p:style>
+      </p:cxnSp>
+      <p:sp>
+        <p:nvSpPr>
+          <p:cNvPr id="95" name="TextBox 94">
+            <a:extLst>
+              <a:ext uri="{FF2B5EF4-FFF2-40B4-BE49-F238E27FC236}">
+                <a16:creationId xmlns:a16="http://schemas.microsoft.com/office/drawing/2014/main" id="{4E63EB97-E5A4-4027-B178-E3E725B254E8}"/>
+              </a:ext>
+            </a:extLst>
+          </p:cNvPr>
+          <p:cNvSpPr txBox="1"/>
+          <p:nvPr/>
+        </p:nvSpPr>
+        <p:spPr>
+          <a:xfrm>
+            <a:off x="5564668" y="3758085"/>
+            <a:ext cx="189257" cy="178683"/>
+          </a:xfrm>
+          <a:prstGeom prst="rect">
+            <a:avLst/>
+          </a:prstGeom>
+          <a:noFill/>
+        </p:spPr>
+        <p:txBody>
+          <a:bodyPr wrap="square" lIns="0" tIns="0" rIns="0" bIns="0" rtlCol="0">
+            <a:noAutofit/>
+          </a:bodyPr>
+          <a:lstStyle/>
+          <a:p>
+            <a:pPr algn="ctr"/>
+            <a:r>
+              <a:rPr lang="en-US" sz="1100" dirty="0">
+                <a:solidFill>
+                  <a:srgbClr val="7030A0"/>
+                </a:solidFill>
+              </a:rPr>
+              <a:t>*</a:t>
+            </a:r>
+            <a:endParaRPr lang="en-SG" sz="1100" dirty="0">
+              <a:solidFill>
+                <a:srgbClr val="7030A0"/>
+              </a:solidFill>
+            </a:endParaRPr>
+          </a:p>
+        </p:txBody>
+      </p:sp>
+      <p:sp>
+        <p:nvSpPr>
+          <p:cNvPr id="96" name="Rectangle 8">
+            <a:extLst>
+              <a:ext uri="{FF2B5EF4-FFF2-40B4-BE49-F238E27FC236}">
+                <a16:creationId xmlns:a16="http://schemas.microsoft.com/office/drawing/2014/main" id="{C3D7641F-B170-4A64-B6E7-333C34A56F78}"/>
+              </a:ext>
+            </a:extLst>
+          </p:cNvPr>
+          <p:cNvSpPr/>
+          <p:nvPr/>
+        </p:nvSpPr>
+        <p:spPr>
+          <a:xfrm>
+            <a:off x="5221697" y="3365486"/>
+            <a:ext cx="728270" cy="346760"/>
+          </a:xfrm>
+          <a:prstGeom prst="rect">
+            <a:avLst/>
+          </a:prstGeom>
+          <a:ln w="19050">
+            <a:solidFill>
+              <a:srgbClr val="7030A0"/>
+            </a:solidFill>
+          </a:ln>
+          <a:effectLst/>
+        </p:spPr>
+        <p:style>
+          <a:lnRef idx="1">
+            <a:schemeClr val="accent4"/>
+          </a:lnRef>
+          <a:fillRef idx="2">
+            <a:schemeClr val="accent4"/>
+          </a:fillRef>
+          <a:effectRef idx="1">
+            <a:schemeClr val="accent4"/>
+          </a:effectRef>
+          <a:fontRef idx="minor">
+            <a:schemeClr val="dk1"/>
+          </a:fontRef>
+        </p:style>
+        <p:txBody>
+          <a:bodyPr rtlCol="0" anchor="ctr"/>
+          <a:lstStyle/>
+          <a:p>
+            <a:pPr algn="ctr"/>
+            <a:r>
+              <a:rPr lang="en-US" sz="1050" dirty="0">
+                <a:solidFill>
+                  <a:srgbClr val="7030A0"/>
+                </a:solidFill>
+              </a:rPr>
+              <a:t>Project</a:t>
+            </a:r>
+            <a:endParaRPr lang="en-SG" sz="1050" dirty="0">
+              <a:solidFill>
+                <a:srgbClr val="7030A0"/>
+              </a:solidFill>
+            </a:endParaRPr>
+          </a:p>
+        </p:txBody>
+      </p:sp>
+      <p:sp>
+        <p:nvSpPr>
+          <p:cNvPr id="101" name="Rectangle 8">
+            <a:extLst>
+              <a:ext uri="{FF2B5EF4-FFF2-40B4-BE49-F238E27FC236}">
+                <a16:creationId xmlns:a16="http://schemas.microsoft.com/office/drawing/2014/main" id="{F44740B6-2E8E-4386-BC0B-53F6A783D627}"/>
+              </a:ext>
+            </a:extLst>
+          </p:cNvPr>
+          <p:cNvSpPr/>
+          <p:nvPr/>
+        </p:nvSpPr>
+        <p:spPr>
+          <a:xfrm>
+            <a:off x="6614050" y="3078621"/>
+            <a:ext cx="929750" cy="285783"/>
+          </a:xfrm>
+          <a:prstGeom prst="rect">
+            <a:avLst/>
+          </a:prstGeom>
+          <a:ln w="19050">
+            <a:solidFill>
+              <a:srgbClr val="7030A0"/>
+            </a:solidFill>
+          </a:ln>
+          <a:effectLst/>
+        </p:spPr>
+        <p:style>
+          <a:lnRef idx="1">
+            <a:schemeClr val="accent4"/>
+          </a:lnRef>
+          <a:fillRef idx="2">
+            <a:schemeClr val="accent4"/>
+          </a:fillRef>
+          <a:effectRef idx="1">
+            <a:schemeClr val="accent4"/>
+          </a:effectRef>
+          <a:fontRef idx="minor">
+            <a:schemeClr val="dk1"/>
+          </a:fontRef>
+        </p:style>
+        <p:txBody>
+          <a:bodyPr rtlCol="0" anchor="ctr"/>
+          <a:lstStyle/>
+          <a:p>
+            <a:pPr algn="ctr"/>
+            <a:r>
+              <a:rPr lang="en-US" sz="1050" dirty="0">
+                <a:solidFill>
+                  <a:srgbClr val="7030A0"/>
+                </a:solidFill>
+              </a:rPr>
+              <a:t>Client</a:t>
+            </a:r>
+            <a:endParaRPr lang="en-SG" sz="1050" dirty="0">
+              <a:solidFill>
+                <a:srgbClr val="7030A0"/>
+              </a:solidFill>
+            </a:endParaRPr>
+          </a:p>
+        </p:txBody>
+      </p:sp>
+      <p:sp>
+        <p:nvSpPr>
+          <p:cNvPr id="102" name="Flowchart: Decision 96">
+            <a:extLst>
+              <a:ext uri="{FF2B5EF4-FFF2-40B4-BE49-F238E27FC236}">
+                <a16:creationId xmlns:a16="http://schemas.microsoft.com/office/drawing/2014/main" id="{BEAD7BCD-2D3C-4816-9EBA-0A995435CB2F}"/>
+              </a:ext>
+            </a:extLst>
+          </p:cNvPr>
+          <p:cNvSpPr/>
+          <p:nvPr/>
+        </p:nvSpPr>
+        <p:spPr>
+          <a:xfrm>
+            <a:off x="5943600" y="3462584"/>
+            <a:ext cx="236048" cy="173380"/>
+          </a:xfrm>
+          <a:prstGeom prst="flowChartDecision">
+            <a:avLst/>
+          </a:prstGeom>
+          <a:solidFill>
+            <a:srgbClr val="7030A0"/>
+          </a:solidFill>
+          <a:ln w="19050">
+            <a:solidFill>
+              <a:srgbClr val="7030A0"/>
+            </a:solidFill>
+          </a:ln>
+          <a:effectLst/>
+        </p:spPr>
+        <p:style>
+          <a:lnRef idx="1">
+            <a:schemeClr val="accent6"/>
+          </a:lnRef>
+          <a:fillRef idx="2">
+            <a:schemeClr val="accent6"/>
+          </a:fillRef>
+          <a:effectRef idx="1">
+            <a:schemeClr val="accent6"/>
+          </a:effectRef>
+          <a:fontRef idx="minor">
+            <a:schemeClr val="dk1"/>
+          </a:fontRef>
+        </p:style>
+        <p:txBody>
+          <a:bodyPr rtlCol="0" anchor="ctr"/>
+          <a:lstStyle/>
+          <a:p>
+            <a:pPr algn="ctr"/>
+            <a:endParaRPr lang="en-US" sz="1050"/>
+          </a:p>
+        </p:txBody>
+      </p:sp>
+      <p:sp>
+        <p:nvSpPr>
+          <p:cNvPr id="103" name="Rectangle 8">
+            <a:extLst>
+              <a:ext uri="{FF2B5EF4-FFF2-40B4-BE49-F238E27FC236}">
+                <a16:creationId xmlns:a16="http://schemas.microsoft.com/office/drawing/2014/main" id="{F7696EFA-77CE-44FB-932A-AB06CA652C65}"/>
+              </a:ext>
+            </a:extLst>
+          </p:cNvPr>
+          <p:cNvSpPr/>
+          <p:nvPr/>
+        </p:nvSpPr>
+        <p:spPr>
+          <a:xfrm>
+            <a:off x="6614049" y="3401599"/>
+            <a:ext cx="929750" cy="285783"/>
+          </a:xfrm>
+          <a:prstGeom prst="rect">
+            <a:avLst/>
+          </a:prstGeom>
+          <a:ln w="19050">
+            <a:solidFill>
+              <a:srgbClr val="7030A0"/>
+            </a:solidFill>
+          </a:ln>
+          <a:effectLst/>
+        </p:spPr>
+        <p:style>
+          <a:lnRef idx="1">
+            <a:schemeClr val="accent4"/>
+          </a:lnRef>
+          <a:fillRef idx="2">
+            <a:schemeClr val="accent4"/>
+          </a:fillRef>
+          <a:effectRef idx="1">
+            <a:schemeClr val="accent4"/>
+          </a:effectRef>
+          <a:fontRef idx="minor">
+            <a:schemeClr val="dk1"/>
+          </a:fontRef>
+        </p:style>
+        <p:txBody>
+          <a:bodyPr rtlCol="0" anchor="ctr"/>
+          <a:lstStyle/>
+          <a:p>
+            <a:pPr algn="ctr"/>
+            <a:r>
+              <a:rPr lang="en-US" sz="1050" dirty="0">
+                <a:solidFill>
+                  <a:srgbClr val="7030A0"/>
+                </a:solidFill>
+              </a:rPr>
+              <a:t>Description</a:t>
+            </a:r>
+            <a:endParaRPr lang="en-SG" sz="1050" dirty="0">
+              <a:solidFill>
+                <a:srgbClr val="7030A0"/>
+              </a:solidFill>
+            </a:endParaRPr>
+          </a:p>
+        </p:txBody>
+      </p:sp>
+      <p:cxnSp>
+        <p:nvCxnSpPr>
+          <p:cNvPr id="104" name="Elbow Connector 80">
+            <a:extLst>
+              <a:ext uri="{FF2B5EF4-FFF2-40B4-BE49-F238E27FC236}">
+                <a16:creationId xmlns:a16="http://schemas.microsoft.com/office/drawing/2014/main" id="{C164C843-3A17-459D-8DE7-750AF60848F1}"/>
+              </a:ext>
+            </a:extLst>
+          </p:cNvPr>
+          <p:cNvCxnSpPr>
+            <a:cxnSpLocks/>
+            <a:stCxn id="102" idx="3"/>
+            <a:endCxn id="103" idx="1"/>
+          </p:cNvCxnSpPr>
+          <p:nvPr/>
+        </p:nvCxnSpPr>
+        <p:spPr>
+          <a:xfrm flipV="1">
+            <a:off x="6179648" y="3544491"/>
+            <a:ext cx="434401" cy="4783"/>
+          </a:xfrm>
+          <a:prstGeom prst="bentConnector3">
+            <a:avLst/>
+          </a:prstGeom>
+          <a:ln w="19050">
+            <a:solidFill>
+              <a:srgbClr val="7030A0"/>
+            </a:solidFill>
+            <a:headEnd type="none" w="med" len="med"/>
+            <a:tailEnd type="arrow" w="med" len="med"/>
+          </a:ln>
+          <a:effectLst/>
+        </p:spPr>
+        <p:style>
+          <a:lnRef idx="1">
+            <a:schemeClr val="accent2"/>
+          </a:lnRef>
+          <a:fillRef idx="2">
+            <a:schemeClr val="accent2"/>
+          </a:fillRef>
+          <a:effectRef idx="1">
+            <a:schemeClr val="accent2"/>
+          </a:effectRef>
+          <a:fontRef idx="minor">
+            <a:schemeClr val="dk1"/>
+          </a:fontRef>
+        </p:style>
+      </p:cxnSp>
+      <p:sp>
+        <p:nvSpPr>
+          <p:cNvPr id="105" name="Rectangle 8">
+            <a:extLst>
+              <a:ext uri="{FF2B5EF4-FFF2-40B4-BE49-F238E27FC236}">
+                <a16:creationId xmlns:a16="http://schemas.microsoft.com/office/drawing/2014/main" id="{BBA83A54-7F73-43D3-B37B-D11D57049963}"/>
+              </a:ext>
+            </a:extLst>
+          </p:cNvPr>
+          <p:cNvSpPr/>
+          <p:nvPr/>
+        </p:nvSpPr>
+        <p:spPr>
+          <a:xfrm>
+            <a:off x="6618464" y="3724577"/>
+            <a:ext cx="925336" cy="285783"/>
+          </a:xfrm>
+          <a:prstGeom prst="rect">
+            <a:avLst/>
+          </a:prstGeom>
+          <a:ln w="19050">
+            <a:solidFill>
+              <a:srgbClr val="7030A0"/>
+            </a:solidFill>
+          </a:ln>
+          <a:effectLst/>
+        </p:spPr>
+        <p:style>
+          <a:lnRef idx="1">
+            <a:schemeClr val="accent4"/>
+          </a:lnRef>
+          <a:fillRef idx="2">
+            <a:schemeClr val="accent4"/>
+          </a:fillRef>
+          <a:effectRef idx="1">
+            <a:schemeClr val="accent4"/>
+          </a:effectRef>
+          <a:fontRef idx="minor">
+            <a:schemeClr val="dk1"/>
+          </a:fontRef>
+        </p:style>
+        <p:txBody>
+          <a:bodyPr rtlCol="0" anchor="ctr"/>
+          <a:lstStyle/>
+          <a:p>
+            <a:pPr algn="ctr"/>
+            <a:r>
+              <a:rPr lang="en-US" sz="1050" dirty="0">
+                <a:solidFill>
+                  <a:srgbClr val="7030A0"/>
+                </a:solidFill>
+              </a:rPr>
+              <a:t>Deadline</a:t>
+            </a:r>
+            <a:endParaRPr lang="en-SG" sz="1050" dirty="0">
+              <a:solidFill>
+                <a:srgbClr val="7030A0"/>
+              </a:solidFill>
+            </a:endParaRPr>
+          </a:p>
+        </p:txBody>
+      </p:sp>
+      <p:sp>
+        <p:nvSpPr>
+          <p:cNvPr id="106" name="Rectangle 8">
+            <a:extLst>
+              <a:ext uri="{FF2B5EF4-FFF2-40B4-BE49-F238E27FC236}">
+                <a16:creationId xmlns:a16="http://schemas.microsoft.com/office/drawing/2014/main" id="{F5F8E33F-1B7A-4337-85CD-854D93907501}"/>
+              </a:ext>
+            </a:extLst>
+          </p:cNvPr>
+          <p:cNvSpPr/>
+          <p:nvPr/>
+        </p:nvSpPr>
+        <p:spPr>
+          <a:xfrm>
+            <a:off x="6602515" y="2385028"/>
+            <a:ext cx="929750" cy="285783"/>
+          </a:xfrm>
+          <a:prstGeom prst="rect">
+            <a:avLst/>
+          </a:prstGeom>
+          <a:ln w="19050">
+            <a:solidFill>
+              <a:srgbClr val="7030A0"/>
+            </a:solidFill>
+          </a:ln>
+          <a:effectLst/>
+        </p:spPr>
+        <p:style>
+          <a:lnRef idx="1">
+            <a:schemeClr val="accent4"/>
+          </a:lnRef>
+          <a:fillRef idx="2">
+            <a:schemeClr val="accent4"/>
+          </a:fillRef>
+          <a:effectRef idx="1">
+            <a:schemeClr val="accent4"/>
+          </a:effectRef>
+          <a:fontRef idx="minor">
+            <a:schemeClr val="dk1"/>
+          </a:fontRef>
+        </p:style>
+        <p:txBody>
+          <a:bodyPr rtlCol="0" anchor="ctr"/>
+          <a:lstStyle/>
+          <a:p>
+            <a:pPr algn="ctr"/>
+            <a:r>
+              <a:rPr lang="en-US" sz="1050" dirty="0" err="1">
+                <a:solidFill>
+                  <a:srgbClr val="7030A0"/>
+                </a:solidFill>
+              </a:rPr>
+              <a:t>UserStories</a:t>
+            </a:r>
+            <a:endParaRPr lang="en-SG" sz="1050" dirty="0">
+              <a:solidFill>
+                <a:srgbClr val="7030A0"/>
+              </a:solidFill>
+            </a:endParaRPr>
+          </a:p>
+        </p:txBody>
+      </p:sp>
+      <p:cxnSp>
+        <p:nvCxnSpPr>
+          <p:cNvPr id="108" name="Elbow Connector 78">
+            <a:extLst>
+              <a:ext uri="{FF2B5EF4-FFF2-40B4-BE49-F238E27FC236}">
+                <a16:creationId xmlns:a16="http://schemas.microsoft.com/office/drawing/2014/main" id="{0EF38512-2843-45B8-BDAC-9BF38E6119BB}"/>
+              </a:ext>
+            </a:extLst>
+          </p:cNvPr>
+          <p:cNvCxnSpPr>
+            <a:cxnSpLocks/>
+            <a:stCxn id="102" idx="3"/>
+            <a:endCxn id="106" idx="1"/>
+          </p:cNvCxnSpPr>
+          <p:nvPr/>
+        </p:nvCxnSpPr>
+        <p:spPr>
+          <a:xfrm flipV="1">
+            <a:off x="6179648" y="2527920"/>
+            <a:ext cx="422867" cy="1021354"/>
+          </a:xfrm>
+          <a:prstGeom prst="bentConnector3">
+            <a:avLst>
+              <a:gd name="adj1" fmla="val 50000"/>
+            </a:avLst>
+          </a:prstGeom>
+          <a:ln w="19050">
+            <a:solidFill>
+              <a:srgbClr val="7030A0"/>
+            </a:solidFill>
+            <a:headEnd type="none" w="med" len="med"/>
+            <a:tailEnd type="arrow" w="med" len="med"/>
+          </a:ln>
+          <a:effectLst/>
+        </p:spPr>
+        <p:style>
+          <a:lnRef idx="1">
+            <a:schemeClr val="accent2"/>
+          </a:lnRef>
+          <a:fillRef idx="2">
+            <a:schemeClr val="accent2"/>
+          </a:fillRef>
+          <a:effectRef idx="1">
+            <a:schemeClr val="accent2"/>
+          </a:effectRef>
+          <a:fontRef idx="minor">
+            <a:schemeClr val="dk1"/>
+          </a:fontRef>
+        </p:style>
+      </p:cxnSp>
+      <p:sp>
+        <p:nvSpPr>
+          <p:cNvPr id="109" name="Rectangle 8">
+            <a:extLst>
+              <a:ext uri="{FF2B5EF4-FFF2-40B4-BE49-F238E27FC236}">
+                <a16:creationId xmlns:a16="http://schemas.microsoft.com/office/drawing/2014/main" id="{F3099FB1-1441-47BE-BFA7-B73993A84C8B}"/>
+              </a:ext>
+            </a:extLst>
+          </p:cNvPr>
+          <p:cNvSpPr/>
+          <p:nvPr/>
+        </p:nvSpPr>
+        <p:spPr>
+          <a:xfrm>
+            <a:off x="6606866" y="2023443"/>
+            <a:ext cx="929750" cy="285783"/>
+          </a:xfrm>
+          <a:prstGeom prst="rect">
+            <a:avLst/>
+          </a:prstGeom>
+          <a:ln w="19050">
+            <a:solidFill>
+              <a:srgbClr val="7030A0"/>
+            </a:solidFill>
+          </a:ln>
+          <a:effectLst/>
+        </p:spPr>
+        <p:style>
+          <a:lnRef idx="1">
+            <a:schemeClr val="accent4"/>
+          </a:lnRef>
+          <a:fillRef idx="2">
+            <a:schemeClr val="accent4"/>
+          </a:fillRef>
+          <a:effectRef idx="1">
+            <a:schemeClr val="accent4"/>
+          </a:effectRef>
+          <a:fontRef idx="minor">
+            <a:schemeClr val="dk1"/>
+          </a:fontRef>
+        </p:style>
+        <p:txBody>
+          <a:bodyPr rtlCol="0" anchor="ctr"/>
+          <a:lstStyle/>
+          <a:p>
+            <a:pPr algn="ctr"/>
+            <a:r>
+              <a:rPr lang="en-US" sz="1050" dirty="0">
+                <a:solidFill>
+                  <a:srgbClr val="7030A0"/>
+                </a:solidFill>
+              </a:rPr>
+              <a:t>Employees</a:t>
+            </a:r>
+            <a:endParaRPr lang="en-SG" sz="1050" dirty="0">
+              <a:solidFill>
+                <a:srgbClr val="7030A0"/>
+              </a:solidFill>
+            </a:endParaRPr>
+          </a:p>
+        </p:txBody>
+      </p:sp>
+      <p:sp>
+        <p:nvSpPr>
+          <p:cNvPr id="110" name="Rectangle 8">
+            <a:extLst>
+              <a:ext uri="{FF2B5EF4-FFF2-40B4-BE49-F238E27FC236}">
+                <a16:creationId xmlns:a16="http://schemas.microsoft.com/office/drawing/2014/main" id="{10E93DF1-6BA9-4FC8-A795-A38083386EB2}"/>
+              </a:ext>
+            </a:extLst>
+          </p:cNvPr>
+          <p:cNvSpPr/>
+          <p:nvPr/>
+        </p:nvSpPr>
+        <p:spPr>
+          <a:xfrm>
+            <a:off x="6615575" y="1673480"/>
+            <a:ext cx="929750" cy="285783"/>
+          </a:xfrm>
+          <a:prstGeom prst="rect">
+            <a:avLst/>
+          </a:prstGeom>
+          <a:ln w="19050">
+            <a:solidFill>
+              <a:srgbClr val="7030A0"/>
+            </a:solidFill>
+          </a:ln>
+          <a:effectLst/>
+        </p:spPr>
+        <p:style>
+          <a:lnRef idx="1">
+            <a:schemeClr val="accent4"/>
+          </a:lnRef>
+          <a:fillRef idx="2">
+            <a:schemeClr val="accent4"/>
+          </a:fillRef>
+          <a:effectRef idx="1">
+            <a:schemeClr val="accent4"/>
+          </a:effectRef>
+          <a:fontRef idx="minor">
+            <a:schemeClr val="dk1"/>
+          </a:fontRef>
+        </p:style>
+        <p:txBody>
+          <a:bodyPr rtlCol="0" anchor="ctr"/>
+          <a:lstStyle/>
+          <a:p>
+            <a:pPr algn="ctr"/>
+            <a:r>
+              <a:rPr lang="en-US" sz="1050" dirty="0">
+                <a:solidFill>
+                  <a:srgbClr val="7030A0"/>
+                </a:solidFill>
+              </a:rPr>
+              <a:t>Milestones</a:t>
+            </a:r>
+            <a:endParaRPr lang="en-SG" sz="1050" dirty="0">
+              <a:solidFill>
+                <a:srgbClr val="7030A0"/>
+              </a:solidFill>
+            </a:endParaRPr>
+          </a:p>
+        </p:txBody>
+      </p:sp>
+      <p:cxnSp>
+        <p:nvCxnSpPr>
+          <p:cNvPr id="111" name="Elbow Connector 78">
+            <a:extLst>
+              <a:ext uri="{FF2B5EF4-FFF2-40B4-BE49-F238E27FC236}">
+                <a16:creationId xmlns:a16="http://schemas.microsoft.com/office/drawing/2014/main" id="{32BDBA30-D136-4449-8B27-596ECE0BA77E}"/>
+              </a:ext>
+            </a:extLst>
+          </p:cNvPr>
+          <p:cNvCxnSpPr>
+            <a:cxnSpLocks/>
+            <a:stCxn id="102" idx="3"/>
+            <a:endCxn id="110" idx="1"/>
+          </p:cNvCxnSpPr>
+          <p:nvPr/>
+        </p:nvCxnSpPr>
+        <p:spPr>
+          <a:xfrm flipV="1">
+            <a:off x="6179648" y="1816372"/>
+            <a:ext cx="435927" cy="1732902"/>
+          </a:xfrm>
+          <a:prstGeom prst="bentConnector3">
+            <a:avLst>
+              <a:gd name="adj1" fmla="val 50000"/>
+            </a:avLst>
+          </a:prstGeom>
+          <a:ln w="19050">
+            <a:solidFill>
+              <a:srgbClr val="7030A0"/>
+            </a:solidFill>
+            <a:headEnd type="none" w="med" len="med"/>
+            <a:tailEnd type="arrow" w="med" len="med"/>
+          </a:ln>
+          <a:effectLst/>
+        </p:spPr>
+        <p:style>
+          <a:lnRef idx="1">
+            <a:schemeClr val="accent2"/>
+          </a:lnRef>
+          <a:fillRef idx="2">
+            <a:schemeClr val="accent2"/>
+          </a:fillRef>
+          <a:effectRef idx="1">
+            <a:schemeClr val="accent2"/>
+          </a:effectRef>
+          <a:fontRef idx="minor">
+            <a:schemeClr val="dk1"/>
+          </a:fontRef>
+        </p:style>
+      </p:cxnSp>
+      <p:cxnSp>
+        <p:nvCxnSpPr>
+          <p:cNvPr id="112" name="Elbow Connector 78">
+            <a:extLst>
+              <a:ext uri="{FF2B5EF4-FFF2-40B4-BE49-F238E27FC236}">
+                <a16:creationId xmlns:a16="http://schemas.microsoft.com/office/drawing/2014/main" id="{F7713BA0-CFC0-4FF9-8AA0-6068242121EC}"/>
+              </a:ext>
+            </a:extLst>
+          </p:cNvPr>
+          <p:cNvCxnSpPr>
+            <a:cxnSpLocks/>
+            <a:stCxn id="102" idx="3"/>
+            <a:endCxn id="109" idx="1"/>
+          </p:cNvCxnSpPr>
+          <p:nvPr/>
+        </p:nvCxnSpPr>
+        <p:spPr>
+          <a:xfrm flipV="1">
+            <a:off x="6179648" y="2166335"/>
+            <a:ext cx="427218" cy="1382939"/>
+          </a:xfrm>
+          <a:prstGeom prst="bentConnector3">
+            <a:avLst>
+              <a:gd name="adj1" fmla="val 50000"/>
+            </a:avLst>
+          </a:prstGeom>
+          <a:ln w="19050">
+            <a:solidFill>
+              <a:srgbClr val="7030A0"/>
+            </a:solidFill>
+            <a:headEnd type="none" w="med" len="med"/>
+            <a:tailEnd type="arrow" w="med" len="med"/>
+          </a:ln>
+          <a:effectLst/>
+        </p:spPr>
+        <p:style>
+          <a:lnRef idx="1">
+            <a:schemeClr val="accent2"/>
+          </a:lnRef>
+          <a:fillRef idx="2">
+            <a:schemeClr val="accent2"/>
+          </a:fillRef>
+          <a:effectRef idx="1">
+            <a:schemeClr val="accent2"/>
+          </a:effectRef>
+          <a:fontRef idx="minor">
+            <a:schemeClr val="dk1"/>
+          </a:fontRef>
+        </p:style>
+      </p:cxnSp>
+      <p:cxnSp>
+        <p:nvCxnSpPr>
+          <p:cNvPr id="113" name="Elbow Connector 78">
+            <a:extLst>
+              <a:ext uri="{FF2B5EF4-FFF2-40B4-BE49-F238E27FC236}">
+                <a16:creationId xmlns:a16="http://schemas.microsoft.com/office/drawing/2014/main" id="{AFA13D1B-5CF2-4829-B8AA-C0C6544F9ABF}"/>
+              </a:ext>
+            </a:extLst>
+          </p:cNvPr>
+          <p:cNvCxnSpPr>
+            <a:cxnSpLocks/>
+            <a:stCxn id="102" idx="3"/>
+            <a:endCxn id="101" idx="1"/>
+          </p:cNvCxnSpPr>
+          <p:nvPr/>
+        </p:nvCxnSpPr>
+        <p:spPr>
+          <a:xfrm flipV="1">
+            <a:off x="6179648" y="3221513"/>
+            <a:ext cx="434402" cy="327761"/>
+          </a:xfrm>
+          <a:prstGeom prst="bentConnector3">
+            <a:avLst>
+              <a:gd name="adj1" fmla="val 50000"/>
+            </a:avLst>
+          </a:prstGeom>
+          <a:ln w="19050">
+            <a:solidFill>
+              <a:srgbClr val="7030A0"/>
+            </a:solidFill>
+            <a:headEnd type="none" w="med" len="med"/>
+            <a:tailEnd type="arrow" w="med" len="med"/>
+          </a:ln>
+          <a:effectLst/>
+        </p:spPr>
+        <p:style>
+          <a:lnRef idx="1">
+            <a:schemeClr val="accent2"/>
+          </a:lnRef>
+          <a:fillRef idx="2">
+            <a:schemeClr val="accent2"/>
+          </a:fillRef>
+          <a:effectRef idx="1">
+            <a:schemeClr val="accent2"/>
+          </a:effectRef>
+          <a:fontRef idx="minor">
+            <a:schemeClr val="dk1"/>
+          </a:fontRef>
+        </p:style>
+      </p:cxnSp>
+      <p:cxnSp>
+        <p:nvCxnSpPr>
+          <p:cNvPr id="115" name="Elbow Connector 78">
+            <a:extLst>
+              <a:ext uri="{FF2B5EF4-FFF2-40B4-BE49-F238E27FC236}">
+                <a16:creationId xmlns:a16="http://schemas.microsoft.com/office/drawing/2014/main" id="{1B30E423-506A-4B9E-88D3-957EB9154941}"/>
+              </a:ext>
+            </a:extLst>
+          </p:cNvPr>
+          <p:cNvCxnSpPr>
+            <a:cxnSpLocks/>
+            <a:stCxn id="102" idx="3"/>
+            <a:endCxn id="105" idx="1"/>
+          </p:cNvCxnSpPr>
+          <p:nvPr/>
+        </p:nvCxnSpPr>
+        <p:spPr>
+          <a:xfrm>
+            <a:off x="6179648" y="3549274"/>
+            <a:ext cx="438816" cy="318195"/>
+          </a:xfrm>
+          <a:prstGeom prst="bentConnector3">
+            <a:avLst>
+              <a:gd name="adj1" fmla="val 50000"/>
+            </a:avLst>
+          </a:prstGeom>
+          <a:ln w="19050">
+            <a:solidFill>
+              <a:srgbClr val="7030A0"/>
+            </a:solidFill>
+            <a:headEnd type="none" w="med" len="med"/>
+            <a:tailEnd type="arrow" w="med" len="med"/>
+          </a:ln>
+          <a:effectLst/>
+        </p:spPr>
+        <p:style>
+          <a:lnRef idx="1">
+            <a:schemeClr val="accent2"/>
+          </a:lnRef>
+          <a:fillRef idx="2">
+            <a:schemeClr val="accent2"/>
+          </a:fillRef>
+          <a:effectRef idx="1">
+            <a:schemeClr val="accent2"/>
+          </a:effectRef>
+          <a:fontRef idx="minor">
+            <a:schemeClr val="dk1"/>
+          </a:fontRef>
+        </p:style>
+      </p:cxnSp>
+      <p:sp>
+        <p:nvSpPr>
+          <p:cNvPr id="121" name="Rectangle 8">
+            <a:extLst>
+              <a:ext uri="{FF2B5EF4-FFF2-40B4-BE49-F238E27FC236}">
+                <a16:creationId xmlns:a16="http://schemas.microsoft.com/office/drawing/2014/main" id="{EFE66D83-91F3-4F65-BA26-0F09B2670A9A}"/>
+              </a:ext>
+            </a:extLst>
+          </p:cNvPr>
+          <p:cNvSpPr/>
+          <p:nvPr/>
+        </p:nvSpPr>
+        <p:spPr>
+          <a:xfrm>
+            <a:off x="6611221" y="2746613"/>
+            <a:ext cx="929750" cy="285783"/>
+          </a:xfrm>
+          <a:prstGeom prst="rect">
+            <a:avLst/>
+          </a:prstGeom>
+          <a:ln w="19050">
+            <a:solidFill>
+              <a:srgbClr val="7030A0"/>
+            </a:solidFill>
+          </a:ln>
+          <a:effectLst/>
+        </p:spPr>
+        <p:style>
+          <a:lnRef idx="1">
+            <a:schemeClr val="accent4"/>
+          </a:lnRef>
+          <a:fillRef idx="2">
+            <a:schemeClr val="accent4"/>
+          </a:fillRef>
+          <a:effectRef idx="1">
+            <a:schemeClr val="accent4"/>
+          </a:effectRef>
+          <a:fontRef idx="minor">
+            <a:schemeClr val="dk1"/>
+          </a:fontRef>
+        </p:style>
+        <p:txBody>
+          <a:bodyPr rtlCol="0" anchor="ctr"/>
+          <a:lstStyle/>
+          <a:p>
+            <a:pPr algn="ctr"/>
+            <a:r>
+              <a:rPr lang="en-US" sz="1050" dirty="0" err="1">
+                <a:solidFill>
+                  <a:srgbClr val="7030A0"/>
+                </a:solidFill>
+              </a:rPr>
+              <a:t>ProjectName</a:t>
+            </a:r>
+            <a:endParaRPr lang="en-SG" sz="1050" dirty="0">
+              <a:solidFill>
+                <a:srgbClr val="7030A0"/>
+              </a:solidFill>
+            </a:endParaRPr>
+          </a:p>
+        </p:txBody>
+      </p:sp>
+      <p:cxnSp>
+        <p:nvCxnSpPr>
+          <p:cNvPr id="123" name="Elbow Connector 78">
+            <a:extLst>
+              <a:ext uri="{FF2B5EF4-FFF2-40B4-BE49-F238E27FC236}">
+                <a16:creationId xmlns:a16="http://schemas.microsoft.com/office/drawing/2014/main" id="{74292318-0056-42CA-B680-7B351D1AC2CB}"/>
+              </a:ext>
+            </a:extLst>
+          </p:cNvPr>
+          <p:cNvCxnSpPr>
+            <a:cxnSpLocks/>
+            <a:stCxn id="102" idx="3"/>
+            <a:endCxn id="121" idx="1"/>
+          </p:cNvCxnSpPr>
+          <p:nvPr/>
+        </p:nvCxnSpPr>
+        <p:spPr>
+          <a:xfrm flipV="1">
+            <a:off x="6179648" y="2889505"/>
+            <a:ext cx="431573" cy="659769"/>
+          </a:xfrm>
+          <a:prstGeom prst="bentConnector3">
+            <a:avLst>
+              <a:gd name="adj1" fmla="val 50000"/>
+            </a:avLst>
+          </a:prstGeom>
+          <a:ln w="19050">
+            <a:solidFill>
+              <a:srgbClr val="7030A0"/>
+            </a:solidFill>
+            <a:headEnd type="none" w="med" len="med"/>
+            <a:tailEnd type="arrow" w="med" len="med"/>
+          </a:ln>
+          <a:effectLst/>
+        </p:spPr>
+        <p:style>
+          <a:lnRef idx="1">
+            <a:schemeClr val="accent2"/>
+          </a:lnRef>
+          <a:fillRef idx="2">
+            <a:schemeClr val="accent2"/>
+          </a:fillRef>
+          <a:effectRef idx="1">
+            <a:schemeClr val="accent2"/>
+          </a:effectRef>
+          <a:fontRef idx="minor">
+            <a:schemeClr val="dk1"/>
+          </a:fontRef>
+        </p:style>
+      </p:cxnSp>
+      <p:cxnSp>
+        <p:nvCxnSpPr>
+          <p:cNvPr id="126" name="Elbow Connector 106">
+            <a:extLst>
+              <a:ext uri="{FF2B5EF4-FFF2-40B4-BE49-F238E27FC236}">
+                <a16:creationId xmlns:a16="http://schemas.microsoft.com/office/drawing/2014/main" id="{1E58F8D7-DDD1-4EAB-8119-244CA10089B0}"/>
+              </a:ext>
+            </a:extLst>
+          </p:cNvPr>
+          <p:cNvCxnSpPr>
+            <a:cxnSpLocks/>
+            <a:stCxn id="9" idx="3"/>
+            <a:endCxn id="96" idx="0"/>
+          </p:cNvCxnSpPr>
+          <p:nvPr/>
+        </p:nvCxnSpPr>
+        <p:spPr>
+          <a:xfrm rot="5400000" flipH="1" flipV="1">
+            <a:off x="3265186" y="2308667"/>
+            <a:ext cx="1263827" cy="3377466"/>
+          </a:xfrm>
+          <a:prstGeom prst="bentConnector3">
+            <a:avLst>
+              <a:gd name="adj1" fmla="val 140138"/>
+            </a:avLst>
+          </a:prstGeom>
+          <a:ln w="19050">
+            <a:solidFill>
+              <a:srgbClr val="7030A0"/>
+            </a:solidFill>
+            <a:prstDash val="solid"/>
+            <a:headEnd type="none" w="med" len="med"/>
+            <a:tailEnd type="arrow" w="med" len="med"/>
+          </a:ln>
+          <a:effectLst/>
+        </p:spPr>
+        <p:style>
+          <a:lnRef idx="1">
+            <a:schemeClr val="accent2"/>
+          </a:lnRef>
+          <a:fillRef idx="2">
+            <a:schemeClr val="accent2"/>
+          </a:fillRef>
+          <a:effectRef idx="1">
+            <a:schemeClr val="accent2"/>
+          </a:effectRef>
+          <a:fontRef idx="minor">
+            <a:schemeClr val="dk1"/>
+          </a:fontRef>
+        </p:style>
+      </p:cxnSp>
+      <p:sp>
+        <p:nvSpPr>
+          <p:cNvPr id="130" name="TextBox 129">
+            <a:extLst>
+              <a:ext uri="{FF2B5EF4-FFF2-40B4-BE49-F238E27FC236}">
+                <a16:creationId xmlns:a16="http://schemas.microsoft.com/office/drawing/2014/main" id="{03B22713-047C-4D0F-8281-B511A03982C6}"/>
+              </a:ext>
+            </a:extLst>
+          </p:cNvPr>
+          <p:cNvSpPr txBox="1"/>
+          <p:nvPr/>
+        </p:nvSpPr>
+        <p:spPr>
+          <a:xfrm rot="16200000">
+            <a:off x="1628343" y="3516068"/>
+            <a:ext cx="881018" cy="261610"/>
+          </a:xfrm>
+          <a:prstGeom prst="rect">
+            <a:avLst/>
+          </a:prstGeom>
+          <a:noFill/>
+        </p:spPr>
+        <p:txBody>
+          <a:bodyPr wrap="square" rtlCol="0">
+            <a:spAutoFit/>
+          </a:bodyPr>
+          <a:lstStyle/>
+          <a:p>
+            <a:pPr algn="r"/>
+            <a:r>
+              <a:rPr lang="en-US" sz="1100" dirty="0">
+                <a:solidFill>
+                  <a:srgbClr val="7030A0"/>
+                </a:solidFill>
+              </a:rPr>
+              <a:t>filtered list</a:t>
+            </a:r>
+            <a:endParaRPr lang="en-SG" sz="1100" dirty="0">
+              <a:solidFill>
+                <a:srgbClr val="7030A0"/>
+              </a:solidFill>
+            </a:endParaRPr>
+          </a:p>
+        </p:txBody>
+      </p:sp>
+      <p:sp>
+        <p:nvSpPr>
+          <p:cNvPr id="131" name="TextBox 130">
+            <a:extLst>
+              <a:ext uri="{FF2B5EF4-FFF2-40B4-BE49-F238E27FC236}">
+                <a16:creationId xmlns:a16="http://schemas.microsoft.com/office/drawing/2014/main" id="{6FB5BDED-8582-46E8-A73F-FAC88172A229}"/>
+              </a:ext>
+            </a:extLst>
+          </p:cNvPr>
+          <p:cNvSpPr txBox="1"/>
+          <p:nvPr/>
+        </p:nvSpPr>
+        <p:spPr>
+          <a:xfrm>
+            <a:off x="5402486" y="3058784"/>
+            <a:ext cx="189257" cy="178683"/>
+          </a:xfrm>
+          <a:prstGeom prst="rect">
+            <a:avLst/>
+          </a:prstGeom>
+          <a:noFill/>
+        </p:spPr>
+        <p:txBody>
+          <a:bodyPr wrap="square" lIns="0" tIns="0" rIns="0" bIns="0" rtlCol="0">
+            <a:noAutofit/>
+          </a:bodyPr>
+          <a:lstStyle/>
+          <a:p>
+            <a:pPr algn="ctr"/>
+            <a:r>
+              <a:rPr lang="en-US" sz="1100" dirty="0">
+                <a:solidFill>
+                  <a:srgbClr val="7030A0"/>
+                </a:solidFill>
+              </a:rPr>
+              <a:t>1</a:t>
+            </a:r>
+            <a:endParaRPr lang="en-SG" sz="1100" dirty="0">
+              <a:solidFill>
+                <a:srgbClr val="7030A0"/>
+              </a:solidFill>
+            </a:endParaRPr>
+          </a:p>
+        </p:txBody>
+      </p:sp>
+      <p:sp>
+        <p:nvSpPr>
+          <p:cNvPr id="132" name="TextBox 131">
+            <a:extLst>
+              <a:ext uri="{FF2B5EF4-FFF2-40B4-BE49-F238E27FC236}">
+                <a16:creationId xmlns:a16="http://schemas.microsoft.com/office/drawing/2014/main" id="{BA6D3159-962B-4189-A756-6D9514D95491}"/>
+              </a:ext>
+            </a:extLst>
+          </p:cNvPr>
+          <p:cNvSpPr txBox="1"/>
+          <p:nvPr/>
+        </p:nvSpPr>
+        <p:spPr>
+          <a:xfrm>
+            <a:off x="6355267" y="1700129"/>
+            <a:ext cx="189257" cy="178683"/>
+          </a:xfrm>
+          <a:prstGeom prst="rect">
+            <a:avLst/>
+          </a:prstGeom>
+          <a:noFill/>
+        </p:spPr>
+        <p:txBody>
+          <a:bodyPr wrap="square" lIns="0" tIns="0" rIns="0" bIns="0" rtlCol="0">
+            <a:noAutofit/>
+          </a:bodyPr>
+          <a:lstStyle/>
+          <a:p>
+            <a:pPr algn="ctr"/>
+            <a:r>
+              <a:rPr lang="en-US" sz="1100" dirty="0">
+                <a:solidFill>
+                  <a:srgbClr val="7030A0"/>
+                </a:solidFill>
+              </a:rPr>
+              <a:t>*</a:t>
+            </a:r>
+            <a:endParaRPr lang="en-SG" sz="1100" dirty="0">
+              <a:solidFill>
+                <a:srgbClr val="7030A0"/>
+              </a:solidFill>
+            </a:endParaRPr>
+          </a:p>
+        </p:txBody>
+      </p:sp>
+      <p:sp>
+        <p:nvSpPr>
+          <p:cNvPr id="134" name="TextBox 133">
+            <a:extLst>
+              <a:ext uri="{FF2B5EF4-FFF2-40B4-BE49-F238E27FC236}">
+                <a16:creationId xmlns:a16="http://schemas.microsoft.com/office/drawing/2014/main" id="{79E8B61B-344E-4105-8482-93E4B6406B9C}"/>
+              </a:ext>
+            </a:extLst>
+          </p:cNvPr>
+          <p:cNvSpPr txBox="1"/>
+          <p:nvPr/>
+        </p:nvSpPr>
+        <p:spPr>
+          <a:xfrm>
+            <a:off x="6363943" y="2057400"/>
+            <a:ext cx="189257" cy="178683"/>
+          </a:xfrm>
+          <a:prstGeom prst="rect">
+            <a:avLst/>
+          </a:prstGeom>
+          <a:noFill/>
+        </p:spPr>
+        <p:txBody>
+          <a:bodyPr wrap="square" lIns="0" tIns="0" rIns="0" bIns="0" rtlCol="0">
+            <a:noAutofit/>
+          </a:bodyPr>
+          <a:lstStyle/>
+          <a:p>
+            <a:pPr algn="ctr"/>
+            <a:r>
+              <a:rPr lang="en-US" sz="1100" dirty="0">
+                <a:solidFill>
+                  <a:srgbClr val="7030A0"/>
+                </a:solidFill>
+              </a:rPr>
+              <a:t>*</a:t>
+            </a:r>
+            <a:endParaRPr lang="en-SG" sz="1100" dirty="0">
+              <a:solidFill>
+                <a:srgbClr val="7030A0"/>
+              </a:solidFill>
+            </a:endParaRPr>
+          </a:p>
+        </p:txBody>
+      </p:sp>
+      <p:sp>
+        <p:nvSpPr>
+          <p:cNvPr id="136" name="TextBox 135">
+            <a:extLst>
+              <a:ext uri="{FF2B5EF4-FFF2-40B4-BE49-F238E27FC236}">
+                <a16:creationId xmlns:a16="http://schemas.microsoft.com/office/drawing/2014/main" id="{05580871-6ABE-4E24-88B6-8C9B8D4A6C74}"/>
+              </a:ext>
+            </a:extLst>
+          </p:cNvPr>
+          <p:cNvSpPr txBox="1"/>
+          <p:nvPr/>
+        </p:nvSpPr>
+        <p:spPr>
+          <a:xfrm>
+            <a:off x="6354185" y="2383122"/>
+            <a:ext cx="189257" cy="178683"/>
+          </a:xfrm>
+          <a:prstGeom prst="rect">
+            <a:avLst/>
+          </a:prstGeom>
+          <a:noFill/>
+        </p:spPr>
+        <p:txBody>
+          <a:bodyPr wrap="square" lIns="0" tIns="0" rIns="0" bIns="0" rtlCol="0">
+            <a:noAutofit/>
+          </a:bodyPr>
+          <a:lstStyle/>
+          <a:p>
+            <a:pPr algn="ctr"/>
+            <a:r>
+              <a:rPr lang="en-US" sz="1100" dirty="0">
+                <a:solidFill>
+                  <a:srgbClr val="7030A0"/>
+                </a:solidFill>
+              </a:rPr>
+              <a:t>*</a:t>
+            </a:r>
+            <a:endParaRPr lang="en-SG" sz="1100" dirty="0">
+              <a:solidFill>
+                <a:srgbClr val="7030A0"/>
+              </a:solidFill>
+            </a:endParaRPr>
+          </a:p>
+        </p:txBody>
+      </p:sp>
     </p:spTree>
     <p:extLst>
       <p:ext uri="{BB962C8B-B14F-4D97-AF65-F5344CB8AC3E}">

--- a/docs/diagrams/ModelComponentClassDiagram.pptx
+++ b/docs/diagrams/ModelComponentClassDiagram.pptx
@@ -208,7 +208,7 @@
           <a:p>
             <a:fld id="{F5CC4B3F-88C1-4FFA-B1B6-F41C21DC6924}" type="datetimeFigureOut">
               <a:rPr lang="en-US" smtClean="0"/>
-              <a:t>3/31/2019</a:t>
+              <a:t>4/1/2019</a:t>
             </a:fld>
             <a:endParaRPr lang="en-US"/>
           </a:p>
@@ -654,7 +654,7 @@
           <a:p>
             <a:fld id="{78C97017-6FC3-485B-9764-EAC9E56C1D49}" type="datetimeFigureOut">
               <a:rPr lang="en-US" smtClean="0"/>
-              <a:t>3/31/2019</a:t>
+              <a:t>4/1/2019</a:t>
             </a:fld>
             <a:endParaRPr lang="en-US"/>
           </a:p>
@@ -822,7 +822,7 @@
           <a:p>
             <a:fld id="{78C97017-6FC3-485B-9764-EAC9E56C1D49}" type="datetimeFigureOut">
               <a:rPr lang="en-US" smtClean="0"/>
-              <a:t>3/31/2019</a:t>
+              <a:t>4/1/2019</a:t>
             </a:fld>
             <a:endParaRPr lang="en-US"/>
           </a:p>
@@ -1000,7 +1000,7 @@
           <a:p>
             <a:fld id="{78C97017-6FC3-485B-9764-EAC9E56C1D49}" type="datetimeFigureOut">
               <a:rPr lang="en-US" smtClean="0"/>
-              <a:t>3/31/2019</a:t>
+              <a:t>4/1/2019</a:t>
             </a:fld>
             <a:endParaRPr lang="en-US"/>
           </a:p>
@@ -1168,7 +1168,7 @@
           <a:p>
             <a:fld id="{78C97017-6FC3-485B-9764-EAC9E56C1D49}" type="datetimeFigureOut">
               <a:rPr lang="en-US" smtClean="0"/>
-              <a:t>3/31/2019</a:t>
+              <a:t>4/1/2019</a:t>
             </a:fld>
             <a:endParaRPr lang="en-US"/>
           </a:p>
@@ -1413,7 +1413,7 @@
           <a:p>
             <a:fld id="{78C97017-6FC3-485B-9764-EAC9E56C1D49}" type="datetimeFigureOut">
               <a:rPr lang="en-US" smtClean="0"/>
-              <a:t>3/31/2019</a:t>
+              <a:t>4/1/2019</a:t>
             </a:fld>
             <a:endParaRPr lang="en-US"/>
           </a:p>
@@ -1698,7 +1698,7 @@
           <a:p>
             <a:fld id="{78C97017-6FC3-485B-9764-EAC9E56C1D49}" type="datetimeFigureOut">
               <a:rPr lang="en-US" smtClean="0"/>
-              <a:t>3/31/2019</a:t>
+              <a:t>4/1/2019</a:t>
             </a:fld>
             <a:endParaRPr lang="en-US"/>
           </a:p>
@@ -2117,7 +2117,7 @@
           <a:p>
             <a:fld id="{78C97017-6FC3-485B-9764-EAC9E56C1D49}" type="datetimeFigureOut">
               <a:rPr lang="en-US" smtClean="0"/>
-              <a:t>3/31/2019</a:t>
+              <a:t>4/1/2019</a:t>
             </a:fld>
             <a:endParaRPr lang="en-US"/>
           </a:p>
@@ -2234,7 +2234,7 @@
           <a:p>
             <a:fld id="{78C97017-6FC3-485B-9764-EAC9E56C1D49}" type="datetimeFigureOut">
               <a:rPr lang="en-US" smtClean="0"/>
-              <a:t>3/31/2019</a:t>
+              <a:t>4/1/2019</a:t>
             </a:fld>
             <a:endParaRPr lang="en-US"/>
           </a:p>
@@ -2329,7 +2329,7 @@
           <a:p>
             <a:fld id="{78C97017-6FC3-485B-9764-EAC9E56C1D49}" type="datetimeFigureOut">
               <a:rPr lang="en-US" smtClean="0"/>
-              <a:t>3/31/2019</a:t>
+              <a:t>4/1/2019</a:t>
             </a:fld>
             <a:endParaRPr lang="en-US"/>
           </a:p>
@@ -2604,7 +2604,7 @@
           <a:p>
             <a:fld id="{78C97017-6FC3-485B-9764-EAC9E56C1D49}" type="datetimeFigureOut">
               <a:rPr lang="en-US" smtClean="0"/>
-              <a:t>3/31/2019</a:t>
+              <a:t>4/1/2019</a:t>
             </a:fld>
             <a:endParaRPr lang="en-US"/>
           </a:p>
@@ -2856,7 +2856,7 @@
           <a:p>
             <a:fld id="{78C97017-6FC3-485B-9764-EAC9E56C1D49}" type="datetimeFigureOut">
               <a:rPr lang="en-US" smtClean="0"/>
-              <a:t>3/31/2019</a:t>
+              <a:t>4/1/2019</a:t>
             </a:fld>
             <a:endParaRPr lang="en-US"/>
           </a:p>
@@ -3067,7 +3067,7 @@
           <a:p>
             <a:fld id="{78C97017-6FC3-485B-9764-EAC9E56C1D49}" type="datetimeFigureOut">
               <a:rPr lang="en-US" smtClean="0"/>
-              <a:t>3/31/2019</a:t>
+              <a:t>4/1/2019</a:t>
             </a:fld>
             <a:endParaRPr lang="en-US"/>
           </a:p>
@@ -3451,7 +3451,7 @@
         <p:spPr>
           <a:xfrm>
             <a:off x="874650" y="1457023"/>
-            <a:ext cx="7700509" cy="5182462"/>
+            <a:ext cx="8269350" cy="5182462"/>
           </a:xfrm>
           <a:prstGeom prst="roundRect">
             <a:avLst>
@@ -4344,8 +4344,8 @@
         </p:nvSpPr>
         <p:spPr>
           <a:xfrm>
-            <a:off x="7712397" y="4469238"/>
-            <a:ext cx="708186" cy="285783"/>
+            <a:off x="7712396" y="4469238"/>
+            <a:ext cx="929747" cy="285783"/>
           </a:xfrm>
           <a:prstGeom prst="rect">
             <a:avLst/>
@@ -4488,7 +4488,7 @@
         <p:spPr>
           <a:xfrm>
             <a:off x="7712397" y="4792216"/>
-            <a:ext cx="708186" cy="285783"/>
+            <a:ext cx="929748" cy="285783"/>
           </a:xfrm>
           <a:prstGeom prst="rect">
             <a:avLst/>
@@ -4539,6 +4539,7 @@
         <p:nvCxnSpPr>
           <p:cNvPr id="81" name="Elbow Connector 80"/>
           <p:cNvCxnSpPr>
+            <a:cxnSpLocks/>
             <a:stCxn id="78" idx="3"/>
             <a:endCxn id="80" idx="1"/>
           </p:cNvCxnSpPr>
@@ -4585,7 +4586,7 @@
         <p:spPr>
           <a:xfrm>
             <a:off x="7712397" y="5115194"/>
-            <a:ext cx="708186" cy="285783"/>
+            <a:ext cx="929748" cy="285783"/>
           </a:xfrm>
           <a:prstGeom prst="rect">
             <a:avLst/>
@@ -4682,8 +4683,8 @@
         </p:nvSpPr>
         <p:spPr>
           <a:xfrm>
-            <a:off x="7712397" y="5438171"/>
-            <a:ext cx="708186" cy="285783"/>
+            <a:off x="7712396" y="5438171"/>
+            <a:ext cx="929749" cy="285783"/>
           </a:xfrm>
           <a:prstGeom prst="rect">
             <a:avLst/>
@@ -4734,6 +4735,7 @@
         <p:nvCxnSpPr>
           <p:cNvPr id="86" name="Elbow Connector 85"/>
           <p:cNvCxnSpPr>
+            <a:cxnSpLocks/>
             <a:stCxn id="78" idx="3"/>
             <a:endCxn id="85" idx="1"/>
           </p:cNvCxnSpPr>
@@ -4742,7 +4744,7 @@
         <p:spPr>
           <a:xfrm>
             <a:off x="7277995" y="4939891"/>
-            <a:ext cx="434402" cy="641172"/>
+            <a:ext cx="434401" cy="641172"/>
           </a:xfrm>
           <a:prstGeom prst="bentConnector3">
             <a:avLst/>
@@ -5302,7 +5304,7 @@
         <p:spPr>
           <a:xfrm>
             <a:off x="7712397" y="4133817"/>
-            <a:ext cx="708186" cy="285783"/>
+            <a:ext cx="929746" cy="285783"/>
           </a:xfrm>
           <a:prstGeom prst="rect">
             <a:avLst/>
@@ -7317,6 +7319,316 @@
         <p:spPr>
           <a:xfrm>
             <a:off x="6354185" y="2383122"/>
+            <a:ext cx="189257" cy="178683"/>
+          </a:xfrm>
+          <a:prstGeom prst="rect">
+            <a:avLst/>
+          </a:prstGeom>
+          <a:noFill/>
+        </p:spPr>
+        <p:txBody>
+          <a:bodyPr wrap="square" lIns="0" tIns="0" rIns="0" bIns="0" rtlCol="0">
+            <a:noAutofit/>
+          </a:bodyPr>
+          <a:lstStyle/>
+          <a:p>
+            <a:pPr algn="ctr"/>
+            <a:r>
+              <a:rPr lang="en-US" sz="1100" dirty="0">
+                <a:solidFill>
+                  <a:srgbClr val="7030A0"/>
+                </a:solidFill>
+              </a:rPr>
+              <a:t>*</a:t>
+            </a:r>
+            <a:endParaRPr lang="en-SG" sz="1100" dirty="0">
+              <a:solidFill>
+                <a:srgbClr val="7030A0"/>
+              </a:solidFill>
+            </a:endParaRPr>
+          </a:p>
+        </p:txBody>
+      </p:sp>
+      <p:sp>
+        <p:nvSpPr>
+          <p:cNvPr id="82" name="Rectangle 8">
+            <a:extLst>
+              <a:ext uri="{FF2B5EF4-FFF2-40B4-BE49-F238E27FC236}">
+                <a16:creationId xmlns:a16="http://schemas.microsoft.com/office/drawing/2014/main" id="{2E3A8FAD-75DA-4E21-954C-A002C8F51BF0}"/>
+              </a:ext>
+            </a:extLst>
+          </p:cNvPr>
+          <p:cNvSpPr/>
+          <p:nvPr/>
+        </p:nvSpPr>
+        <p:spPr>
+          <a:xfrm>
+            <a:off x="7981252" y="1673480"/>
+            <a:ext cx="929750" cy="285783"/>
+          </a:xfrm>
+          <a:prstGeom prst="rect">
+            <a:avLst/>
+          </a:prstGeom>
+          <a:ln w="19050">
+            <a:solidFill>
+              <a:srgbClr val="7030A0"/>
+            </a:solidFill>
+          </a:ln>
+          <a:effectLst/>
+        </p:spPr>
+        <p:style>
+          <a:lnRef idx="1">
+            <a:schemeClr val="accent4"/>
+          </a:lnRef>
+          <a:fillRef idx="2">
+            <a:schemeClr val="accent4"/>
+          </a:fillRef>
+          <a:effectRef idx="1">
+            <a:schemeClr val="accent4"/>
+          </a:effectRef>
+          <a:fontRef idx="minor">
+            <a:schemeClr val="dk1"/>
+          </a:fontRef>
+        </p:style>
+        <p:txBody>
+          <a:bodyPr rtlCol="0" anchor="ctr"/>
+          <a:lstStyle/>
+          <a:p>
+            <a:pPr algn="ctr"/>
+            <a:r>
+              <a:rPr lang="en-US" sz="1050" dirty="0" err="1">
+                <a:solidFill>
+                  <a:srgbClr val="7030A0"/>
+                </a:solidFill>
+              </a:rPr>
+              <a:t>ProjectTask</a:t>
+            </a:r>
+            <a:endParaRPr lang="en-SG" sz="1050" dirty="0">
+              <a:solidFill>
+                <a:srgbClr val="7030A0"/>
+              </a:solidFill>
+            </a:endParaRPr>
+          </a:p>
+        </p:txBody>
+      </p:sp>
+      <p:cxnSp>
+        <p:nvCxnSpPr>
+          <p:cNvPr id="87" name="Elbow Connector 80">
+            <a:extLst>
+              <a:ext uri="{FF2B5EF4-FFF2-40B4-BE49-F238E27FC236}">
+                <a16:creationId xmlns:a16="http://schemas.microsoft.com/office/drawing/2014/main" id="{65F89F20-CDB4-4952-A36B-C7AA8F46AAE6}"/>
+              </a:ext>
+            </a:extLst>
+          </p:cNvPr>
+          <p:cNvCxnSpPr>
+            <a:cxnSpLocks/>
+          </p:cNvCxnSpPr>
+          <p:nvPr/>
+        </p:nvCxnSpPr>
+        <p:spPr>
+          <a:xfrm flipV="1">
+            <a:off x="7560871" y="1825421"/>
+            <a:ext cx="434401" cy="4783"/>
+          </a:xfrm>
+          <a:prstGeom prst="bentConnector3">
+            <a:avLst/>
+          </a:prstGeom>
+          <a:ln w="19050">
+            <a:solidFill>
+              <a:srgbClr val="7030A0"/>
+            </a:solidFill>
+            <a:headEnd type="none" w="med" len="med"/>
+            <a:tailEnd type="arrow" w="med" len="med"/>
+          </a:ln>
+          <a:effectLst/>
+        </p:spPr>
+        <p:style>
+          <a:lnRef idx="1">
+            <a:schemeClr val="accent2"/>
+          </a:lnRef>
+          <a:fillRef idx="2">
+            <a:schemeClr val="accent2"/>
+          </a:fillRef>
+          <a:effectRef idx="1">
+            <a:schemeClr val="accent2"/>
+          </a:effectRef>
+          <a:fontRef idx="minor">
+            <a:schemeClr val="dk1"/>
+          </a:fontRef>
+        </p:style>
+      </p:cxnSp>
+      <p:sp>
+        <p:nvSpPr>
+          <p:cNvPr id="88" name="TextBox 87">
+            <a:extLst>
+              <a:ext uri="{FF2B5EF4-FFF2-40B4-BE49-F238E27FC236}">
+                <a16:creationId xmlns:a16="http://schemas.microsoft.com/office/drawing/2014/main" id="{26414111-DC86-4859-A0D0-B011DDE1C073}"/>
+              </a:ext>
+            </a:extLst>
+          </p:cNvPr>
+          <p:cNvSpPr txBox="1"/>
+          <p:nvPr/>
+        </p:nvSpPr>
+        <p:spPr>
+          <a:xfrm>
+            <a:off x="7752301" y="1701533"/>
+            <a:ext cx="189257" cy="178683"/>
+          </a:xfrm>
+          <a:prstGeom prst="rect">
+            <a:avLst/>
+          </a:prstGeom>
+          <a:noFill/>
+        </p:spPr>
+        <p:txBody>
+          <a:bodyPr wrap="square" lIns="0" tIns="0" rIns="0" bIns="0" rtlCol="0">
+            <a:noAutofit/>
+          </a:bodyPr>
+          <a:lstStyle/>
+          <a:p>
+            <a:pPr algn="ctr"/>
+            <a:r>
+              <a:rPr lang="en-US" sz="1100" dirty="0">
+                <a:solidFill>
+                  <a:srgbClr val="7030A0"/>
+                </a:solidFill>
+              </a:rPr>
+              <a:t>*</a:t>
+            </a:r>
+            <a:endParaRPr lang="en-SG" sz="1100" dirty="0">
+              <a:solidFill>
+                <a:srgbClr val="7030A0"/>
+              </a:solidFill>
+            </a:endParaRPr>
+          </a:p>
+        </p:txBody>
+      </p:sp>
+      <p:sp>
+        <p:nvSpPr>
+          <p:cNvPr id="89" name="Rectangle 8">
+            <a:extLst>
+              <a:ext uri="{FF2B5EF4-FFF2-40B4-BE49-F238E27FC236}">
+                <a16:creationId xmlns:a16="http://schemas.microsoft.com/office/drawing/2014/main" id="{EBFE9662-D8B2-4A30-A079-139342BC3E2A}"/>
+              </a:ext>
+            </a:extLst>
+          </p:cNvPr>
+          <p:cNvSpPr/>
+          <p:nvPr/>
+        </p:nvSpPr>
+        <p:spPr>
+          <a:xfrm>
+            <a:off x="7730040" y="5776836"/>
+            <a:ext cx="929750" cy="285783"/>
+          </a:xfrm>
+          <a:prstGeom prst="rect">
+            <a:avLst/>
+          </a:prstGeom>
+          <a:ln w="19050">
+            <a:solidFill>
+              <a:srgbClr val="7030A0"/>
+            </a:solidFill>
+          </a:ln>
+          <a:effectLst/>
+        </p:spPr>
+        <p:style>
+          <a:lnRef idx="1">
+            <a:schemeClr val="accent4"/>
+          </a:lnRef>
+          <a:fillRef idx="2">
+            <a:schemeClr val="accent4"/>
+          </a:fillRef>
+          <a:effectRef idx="1">
+            <a:schemeClr val="accent4"/>
+          </a:effectRef>
+          <a:fontRef idx="minor">
+            <a:schemeClr val="dk1"/>
+          </a:fontRef>
+        </p:style>
+        <p:txBody>
+          <a:bodyPr rtlCol="0" anchor="ctr"/>
+          <a:lstStyle/>
+          <a:p>
+            <a:pPr algn="ctr"/>
+            <a:r>
+              <a:rPr lang="en-US" sz="1050" dirty="0" err="1">
+                <a:solidFill>
+                  <a:srgbClr val="7030A0"/>
+                </a:solidFill>
+              </a:rPr>
+              <a:t>ProjectName</a:t>
+            </a:r>
+            <a:endParaRPr lang="en-SG" sz="1050" dirty="0">
+              <a:solidFill>
+                <a:srgbClr val="7030A0"/>
+              </a:solidFill>
+            </a:endParaRPr>
+          </a:p>
+        </p:txBody>
+      </p:sp>
+      <p:cxnSp>
+        <p:nvCxnSpPr>
+          <p:cNvPr id="90" name="Elbow Connector 85">
+            <a:extLst>
+              <a:ext uri="{FF2B5EF4-FFF2-40B4-BE49-F238E27FC236}">
+                <a16:creationId xmlns:a16="http://schemas.microsoft.com/office/drawing/2014/main" id="{8C29FB21-4EBF-4DAE-963B-DE620F5E0038}"/>
+              </a:ext>
+            </a:extLst>
+          </p:cNvPr>
+          <p:cNvCxnSpPr>
+            <a:cxnSpLocks/>
+            <a:stCxn id="78" idx="3"/>
+            <a:endCxn id="89" idx="1"/>
+          </p:cNvCxnSpPr>
+          <p:nvPr/>
+        </p:nvCxnSpPr>
+        <p:spPr>
+          <a:xfrm>
+            <a:off x="7277995" y="4939891"/>
+            <a:ext cx="452045" cy="979837"/>
+          </a:xfrm>
+          <a:prstGeom prst="bentConnector3">
+            <a:avLst>
+              <a:gd name="adj1" fmla="val 50000"/>
+            </a:avLst>
+          </a:prstGeom>
+          <a:ln w="19050">
+            <a:solidFill>
+              <a:srgbClr val="7030A0"/>
+            </a:solidFill>
+            <a:headEnd type="none" w="med" len="med"/>
+            <a:tailEnd type="arrow" w="med" len="med"/>
+          </a:ln>
+          <a:effectLst/>
+        </p:spPr>
+        <p:style>
+          <a:lnRef idx="1">
+            <a:schemeClr val="accent2"/>
+          </a:lnRef>
+          <a:fillRef idx="2">
+            <a:schemeClr val="accent2"/>
+          </a:fillRef>
+          <a:effectRef idx="1">
+            <a:schemeClr val="accent2"/>
+          </a:effectRef>
+          <a:fontRef idx="minor">
+            <a:schemeClr val="dk1"/>
+          </a:fontRef>
+        </p:style>
+      </p:cxnSp>
+      <p:sp>
+        <p:nvSpPr>
+          <p:cNvPr id="91" name="TextBox 90">
+            <a:extLst>
+              <a:ext uri="{FF2B5EF4-FFF2-40B4-BE49-F238E27FC236}">
+                <a16:creationId xmlns:a16="http://schemas.microsoft.com/office/drawing/2014/main" id="{7E61DE98-ABB7-429E-A972-EAFB3A10DADE}"/>
+              </a:ext>
+            </a:extLst>
+          </p:cNvPr>
+          <p:cNvSpPr txBox="1"/>
+          <p:nvPr/>
+        </p:nvSpPr>
+        <p:spPr>
+          <a:xfrm>
+            <a:off x="7532265" y="5787925"/>
             <a:ext cx="189257" cy="178683"/>
           </a:xfrm>
           <a:prstGeom prst="rect">
